--- a/eece2160/f16/lectures/eece.2160f16_lec22_arrays_p3.pptx
+++ b/eece2160/f16/lectures/eece.2160f16_lec22_arrays_p3.pptx
@@ -5,10 +5,10 @@
     <p:sldMasterId id="2147483792" r:id="rId1"/>
   </p:sldMasterIdLst>
   <p:notesMasterIdLst>
-    <p:notesMasterId r:id="rId15"/>
+    <p:notesMasterId r:id="rId10"/>
   </p:notesMasterIdLst>
   <p:handoutMasterIdLst>
-    <p:handoutMasterId r:id="rId16"/>
+    <p:handoutMasterId r:id="rId11"/>
   </p:handoutMasterIdLst>
   <p:sldIdLst>
     <p:sldId id="256" r:id="rId2"/>
@@ -18,12 +18,7 @@
     <p:sldId id="526" r:id="rId6"/>
     <p:sldId id="527" r:id="rId7"/>
     <p:sldId id="520" r:id="rId8"/>
-    <p:sldId id="521" r:id="rId9"/>
-    <p:sldId id="522" r:id="rId10"/>
-    <p:sldId id="523" r:id="rId11"/>
-    <p:sldId id="524" r:id="rId12"/>
-    <p:sldId id="525" r:id="rId13"/>
-    <p:sldId id="410" r:id="rId14"/>
+    <p:sldId id="410" r:id="rId9"/>
   </p:sldIdLst>
   <p:sldSz cx="9144000" cy="6858000" type="screen4x3"/>
   <p:notesSz cx="9144000" cy="6858000"/>
@@ -1338,7 +1333,7 @@
             </a:pPr>
             <a:fld id="{D79C2366-D8E7-EB4D-941D-83D4AFED24D3}" type="datetime1">
               <a:rPr lang="en-US" smtClean="0"/>
-              <a:t>10/26/16</a:t>
+              <a:t>10/30/16</a:t>
             </a:fld>
             <a:endParaRPr lang="en-US"/>
           </a:p>
@@ -1543,7 +1538,7 @@
             </a:pPr>
             <a:fld id="{DC2EB1E3-DF5D-E74D-8C20-35676CEA391C}" type="datetime1">
               <a:rPr lang="en-US" smtClean="0"/>
-              <a:t>10/26/16</a:t>
+              <a:t>10/30/16</a:t>
             </a:fld>
             <a:endParaRPr lang="en-US"/>
           </a:p>
@@ -1757,7 +1752,7 @@
             </a:pPr>
             <a:fld id="{8A3AB6AF-711C-B046-80C1-FC68F1337949}" type="datetime1">
               <a:rPr lang="en-US" smtClean="0"/>
-              <a:t>10/26/16</a:t>
+              <a:t>10/30/16</a:t>
             </a:fld>
             <a:endParaRPr lang="en-US"/>
           </a:p>
@@ -2028,7 +2023,7 @@
             </a:pPr>
             <a:fld id="{4E5D9821-5506-3948-989F-D8D4D948A3F3}" type="datetime1">
               <a:rPr lang="en-US" smtClean="0"/>
-              <a:t>10/26/16</a:t>
+              <a:t>10/30/16</a:t>
             </a:fld>
             <a:endParaRPr lang="en-US"/>
           </a:p>
@@ -2299,7 +2294,7 @@
             </a:pPr>
             <a:fld id="{04D0040A-8A4C-5D46-B4BD-C284BCD4752C}" type="datetime1">
               <a:rPr lang="en-US" smtClean="0"/>
-              <a:t>10/26/16</a:t>
+              <a:t>10/30/16</a:t>
             </a:fld>
             <a:endParaRPr lang="en-US"/>
           </a:p>
@@ -2503,7 +2498,7 @@
             </a:pPr>
             <a:fld id="{61ECE144-C15F-F640-BA5F-2634FF0AE786}" type="datetime1">
               <a:rPr lang="en-US" smtClean="0"/>
-              <a:t>10/26/16</a:t>
+              <a:t>10/30/16</a:t>
             </a:fld>
             <a:endParaRPr lang="en-US"/>
           </a:p>
@@ -2729,7 +2724,7 @@
             </a:pPr>
             <a:fld id="{2AFE5237-59B2-B947-823A-CE51731D4302}" type="datetime1">
               <a:rPr lang="en-US" smtClean="0"/>
-              <a:t>10/26/16</a:t>
+              <a:t>10/30/16</a:t>
             </a:fld>
             <a:endParaRPr lang="en-US"/>
           </a:p>
@@ -3051,7 +3046,7 @@
             </a:pPr>
             <a:fld id="{4417C517-3572-C54F-88CB-C6FF4E8BB9EC}" type="datetime1">
               <a:rPr lang="en-US" smtClean="0"/>
-              <a:t>10/26/16</a:t>
+              <a:t>10/30/16</a:t>
             </a:fld>
             <a:endParaRPr lang="en-US"/>
           </a:p>
@@ -3512,7 +3507,7 @@
             </a:pPr>
             <a:fld id="{84F862B9-82DC-364B-9F4A-905719F28ADD}" type="datetime1">
               <a:rPr lang="en-US" smtClean="0"/>
-              <a:t>10/26/16</a:t>
+              <a:t>10/30/16</a:t>
             </a:fld>
             <a:endParaRPr lang="en-US"/>
           </a:p>
@@ -3664,7 +3659,7 @@
             </a:pPr>
             <a:fld id="{382DBF0F-D27B-DC4A-B82E-BDD31EA1611B}" type="datetime1">
               <a:rPr lang="en-US" smtClean="0"/>
-              <a:t>10/26/16</a:t>
+              <a:t>10/30/16</a:t>
             </a:fld>
             <a:endParaRPr lang="en-US"/>
           </a:p>
@@ -3793,7 +3788,7 @@
             </a:pPr>
             <a:fld id="{C8C3F09E-A7E7-C943-80E7-B996A3816831}" type="datetime1">
               <a:rPr lang="en-US" smtClean="0"/>
-              <a:t>10/26/16</a:t>
+              <a:t>10/30/16</a:t>
             </a:fld>
             <a:endParaRPr lang="en-US"/>
           </a:p>
@@ -4104,7 +4099,7 @@
             </a:pPr>
             <a:fld id="{ECD51BAE-347A-724B-A249-69DA82C48F47}" type="datetime1">
               <a:rPr lang="en-US" smtClean="0"/>
-              <a:t>10/26/16</a:t>
+              <a:t>10/30/16</a:t>
             </a:fld>
             <a:endParaRPr lang="en-US"/>
           </a:p>
@@ -4392,7 +4387,7 @@
             </a:pPr>
             <a:fld id="{329F8008-4410-7D42-9E75-1FA24B129B47}" type="datetime1">
               <a:rPr lang="en-US" smtClean="0"/>
-              <a:t>10/26/16</a:t>
+              <a:t>10/30/16</a:t>
             </a:fld>
             <a:endParaRPr lang="en-US"/>
           </a:p>
@@ -4699,7 +4694,7 @@
             </a:pPr>
             <a:fld id="{5CCE1AD5-A815-974E-8866-9D2AA3DD1CF4}" type="datetime1">
               <a:rPr lang="en-US" smtClean="0"/>
-              <a:t>10/26/16</a:t>
+              <a:t>10/30/16</a:t>
             </a:fld>
             <a:endParaRPr lang="en-US"/>
           </a:p>
@@ -5488,9 +5483,6 @@
               </a:rPr>
               <a:t>Instructor:  </a:t>
             </a:r>
-            <a:endParaRPr lang="en-US" dirty="0" smtClean="0">
-              <a:latin typeface="Arial" charset="0"/>
-            </a:endParaRPr>
           </a:p>
           <a:p>
             <a:pPr algn="ctr" eaLnBrk="1" hangingPunct="1">
@@ -5612,2328 +5604,6 @@
             </a:r>
             <a:endParaRPr lang="en-US" dirty="0">
               <a:latin typeface="Arial" charset="0"/>
-            </a:endParaRPr>
-          </a:p>
-        </p:txBody>
-      </p:sp>
-    </p:spTree>
-  </p:cSld>
-  <p:clrMapOvr>
-    <a:masterClrMapping/>
-  </p:clrMapOvr>
-  <p:timing>
-    <p:tnLst>
-      <p:par>
-        <p:cTn xmlns:p14="http://schemas.microsoft.com/office/powerpoint/2010/main" id="1" dur="indefinite" restart="never" nodeType="tmRoot"/>
-      </p:par>
-    </p:tnLst>
-  </p:timing>
-</p:sld>
-</file>
-
-<file path=ppt/slides/slide10.xml><?xml version="1.0" encoding="utf-8"?>
-<p:sld xmlns:a="http://schemas.openxmlformats.org/drawingml/2006/main" xmlns:r="http://schemas.openxmlformats.org/officeDocument/2006/relationships" xmlns:p="http://schemas.openxmlformats.org/presentationml/2006/main">
-  <p:cSld>
-    <p:spTree>
-      <p:nvGrpSpPr>
-        <p:cNvPr id="1" name=""/>
-        <p:cNvGrpSpPr/>
-        <p:nvPr/>
-      </p:nvGrpSpPr>
-      <p:grpSpPr>
-        <a:xfrm>
-          <a:off x="0" y="0"/>
-          <a:ext cx="0" cy="0"/>
-          <a:chOff x="0" y="0"/>
-          <a:chExt cx="0" cy="0"/>
-        </a:xfrm>
-      </p:grpSpPr>
-      <p:sp>
-        <p:nvSpPr>
-          <p:cNvPr id="22529" name="Title 1"/>
-          <p:cNvSpPr>
-            <a:spLocks noGrp="1"/>
-          </p:cNvSpPr>
-          <p:nvPr>
-            <p:ph type="title"/>
-          </p:nvPr>
-        </p:nvSpPr>
-        <p:spPr/>
-        <p:txBody>
-          <a:bodyPr/>
-          <a:lstStyle/>
-          <a:p>
-            <a:r>
-              <a:rPr lang="en-US">
-                <a:latin typeface="Garamond" charset="0"/>
-              </a:rPr>
-              <a:t>String functions</a:t>
-            </a:r>
-          </a:p>
-        </p:txBody>
-      </p:sp>
-      <p:sp>
-        <p:nvSpPr>
-          <p:cNvPr id="22530" name="Content Placeholder 2"/>
-          <p:cNvSpPr>
-            <a:spLocks noGrp="1"/>
-          </p:cNvSpPr>
-          <p:nvPr>
-            <p:ph idx="1"/>
-          </p:nvPr>
-        </p:nvSpPr>
-        <p:spPr/>
-        <p:txBody>
-          <a:bodyPr/>
-          <a:lstStyle/>
-          <a:p>
-            <a:r>
-              <a:rPr lang="en-US">
-                <a:latin typeface="Arial" charset="0"/>
-              </a:rPr>
-              <a:t>Things we’d like to do with strings:</a:t>
-            </a:r>
-          </a:p>
-          <a:p>
-            <a:pPr lvl="1"/>
-            <a:r>
-              <a:rPr lang="en-US">
-                <a:latin typeface="Arial" charset="0"/>
-              </a:rPr>
-              <a:t>Set one equal to another</a:t>
-            </a:r>
-          </a:p>
-          <a:p>
-            <a:pPr lvl="1"/>
-            <a:r>
-              <a:rPr lang="en-US">
-                <a:latin typeface="Arial" charset="0"/>
-              </a:rPr>
-              <a:t>Compare two strings</a:t>
-            </a:r>
-          </a:p>
-          <a:p>
-            <a:pPr lvl="1"/>
-            <a:r>
-              <a:rPr lang="en-US">
-                <a:latin typeface="Arial" charset="0"/>
-              </a:rPr>
-              <a:t>Find # characters in string</a:t>
-            </a:r>
-          </a:p>
-          <a:p>
-            <a:pPr lvl="2"/>
-            <a:r>
-              <a:rPr lang="en-US">
-                <a:latin typeface="Arial" charset="0"/>
-              </a:rPr>
-              <a:t>String may not fill array (“buffer”) allocated for it</a:t>
-            </a:r>
-          </a:p>
-          <a:p>
-            <a:pPr lvl="1"/>
-            <a:r>
-              <a:rPr lang="en-US">
-                <a:latin typeface="Arial" charset="0"/>
-              </a:rPr>
-              <a:t>“Add” two strings together</a:t>
-            </a:r>
-          </a:p>
-          <a:p>
-            <a:pPr lvl="2"/>
-            <a:r>
-              <a:rPr lang="en-US">
-                <a:latin typeface="Arial" charset="0"/>
-              </a:rPr>
-              <a:t>“abc” + “def” = “abcdef”</a:t>
-            </a:r>
-          </a:p>
-        </p:txBody>
-      </p:sp>
-      <p:sp>
-        <p:nvSpPr>
-          <p:cNvPr id="22531" name="Date Placeholder 3"/>
-          <p:cNvSpPr>
-            <a:spLocks noGrp="1"/>
-          </p:cNvSpPr>
-          <p:nvPr>
-            <p:ph type="dt" sz="quarter" idx="10"/>
-          </p:nvPr>
-        </p:nvSpPr>
-        <p:spPr>
-          <a:noFill/>
-          <a:ln/>
-          <a:extLst>
-            <a:ext uri="{909E8E84-426E-40dd-AFC4-6F175D3DCCD1}">
-              <a14:hiddenFill xmlns:a14="http://schemas.microsoft.com/office/drawing/2010/main">
-                <a:solidFill>
-                  <a:srgbClr val="FFFFFF"/>
-                </a:solidFill>
-              </a14:hiddenFill>
-            </a:ext>
-            <a:ext uri="{91240B29-F687-4f45-9708-019B960494DF}">
-              <a14:hiddenLine xmlns:a14="http://schemas.microsoft.com/office/drawing/2010/main" w="9525">
-                <a:solidFill>
-                  <a:srgbClr val="000000"/>
-                </a:solidFill>
-                <a:miter lim="800000"/>
-                <a:headEnd/>
-                <a:tailEnd/>
-              </a14:hiddenLine>
-            </a:ext>
-          </a:extLst>
-        </p:spPr>
-        <p:txBody>
-          <a:bodyPr/>
-          <a:lstStyle>
-            <a:lvl1pPr eaLnBrk="0" hangingPunct="0">
-              <a:defRPr sz="2400">
-                <a:solidFill>
-                  <a:schemeClr val="tx1"/>
-                </a:solidFill>
-                <a:latin typeface="Arial" charset="0"/>
-                <a:ea typeface="ＭＳ Ｐゴシック" charset="0"/>
-                <a:cs typeface="ＭＳ Ｐゴシック" charset="0"/>
-              </a:defRPr>
-            </a:lvl1pPr>
-            <a:lvl2pPr marL="742950" indent="-285750" eaLnBrk="0" hangingPunct="0">
-              <a:defRPr sz="2400">
-                <a:solidFill>
-                  <a:schemeClr val="tx1"/>
-                </a:solidFill>
-                <a:latin typeface="Arial" charset="0"/>
-                <a:ea typeface="ＭＳ Ｐゴシック" charset="0"/>
-              </a:defRPr>
-            </a:lvl2pPr>
-            <a:lvl3pPr marL="1143000" indent="-228600" eaLnBrk="0" hangingPunct="0">
-              <a:defRPr sz="2400">
-                <a:solidFill>
-                  <a:schemeClr val="tx1"/>
-                </a:solidFill>
-                <a:latin typeface="Arial" charset="0"/>
-                <a:ea typeface="ＭＳ Ｐゴシック" charset="0"/>
-              </a:defRPr>
-            </a:lvl3pPr>
-            <a:lvl4pPr marL="1600200" indent="-228600" eaLnBrk="0" hangingPunct="0">
-              <a:defRPr sz="2400">
-                <a:solidFill>
-                  <a:schemeClr val="tx1"/>
-                </a:solidFill>
-                <a:latin typeface="Arial" charset="0"/>
-                <a:ea typeface="ＭＳ Ｐゴシック" charset="0"/>
-              </a:defRPr>
-            </a:lvl4pPr>
-            <a:lvl5pPr marL="2057400" indent="-228600" eaLnBrk="0" hangingPunct="0">
-              <a:defRPr sz="2400">
-                <a:solidFill>
-                  <a:schemeClr val="tx1"/>
-                </a:solidFill>
-                <a:latin typeface="Arial" charset="0"/>
-                <a:ea typeface="ＭＳ Ｐゴシック" charset="0"/>
-              </a:defRPr>
-            </a:lvl5pPr>
-            <a:lvl6pPr marL="2514600" indent="-228600" eaLnBrk="0" fontAlgn="base" hangingPunct="0">
-              <a:spcBef>
-                <a:spcPct val="0"/>
-              </a:spcBef>
-              <a:spcAft>
-                <a:spcPct val="0"/>
-              </a:spcAft>
-              <a:defRPr sz="2400">
-                <a:solidFill>
-                  <a:schemeClr val="tx1"/>
-                </a:solidFill>
-                <a:latin typeface="Arial" charset="0"/>
-                <a:ea typeface="ＭＳ Ｐゴシック" charset="0"/>
-              </a:defRPr>
-            </a:lvl6pPr>
-            <a:lvl7pPr marL="2971800" indent="-228600" eaLnBrk="0" fontAlgn="base" hangingPunct="0">
-              <a:spcBef>
-                <a:spcPct val="0"/>
-              </a:spcBef>
-              <a:spcAft>
-                <a:spcPct val="0"/>
-              </a:spcAft>
-              <a:defRPr sz="2400">
-                <a:solidFill>
-                  <a:schemeClr val="tx1"/>
-                </a:solidFill>
-                <a:latin typeface="Arial" charset="0"/>
-                <a:ea typeface="ＭＳ Ｐゴシック" charset="0"/>
-              </a:defRPr>
-            </a:lvl7pPr>
-            <a:lvl8pPr marL="3429000" indent="-228600" eaLnBrk="0" fontAlgn="base" hangingPunct="0">
-              <a:spcBef>
-                <a:spcPct val="0"/>
-              </a:spcBef>
-              <a:spcAft>
-                <a:spcPct val="0"/>
-              </a:spcAft>
-              <a:defRPr sz="2400">
-                <a:solidFill>
-                  <a:schemeClr val="tx1"/>
-                </a:solidFill>
-                <a:latin typeface="Arial" charset="0"/>
-                <a:ea typeface="ＭＳ Ｐゴシック" charset="0"/>
-              </a:defRPr>
-            </a:lvl8pPr>
-            <a:lvl9pPr marL="3886200" indent="-228600" eaLnBrk="0" fontAlgn="base" hangingPunct="0">
-              <a:spcBef>
-                <a:spcPct val="0"/>
-              </a:spcBef>
-              <a:spcAft>
-                <a:spcPct val="0"/>
-              </a:spcAft>
-              <a:defRPr sz="2400">
-                <a:solidFill>
-                  <a:schemeClr val="tx1"/>
-                </a:solidFill>
-                <a:latin typeface="Arial" charset="0"/>
-                <a:ea typeface="ＭＳ Ｐゴシック" charset="0"/>
-              </a:defRPr>
-            </a:lvl9pPr>
-          </a:lstStyle>
-          <a:p>
-            <a:pPr eaLnBrk="1" hangingPunct="1"/>
-            <a:fld id="{8F77686E-3EA8-B14C-A61E-036031C361A0}" type="datetime1">
-              <a:rPr lang="en-US" sz="1200" smtClean="0">
-                <a:latin typeface="Garamond" charset="0"/>
-                <a:cs typeface="Arial" charset="0"/>
-              </a:rPr>
-              <a:t>10/26/16</a:t>
-            </a:fld>
-            <a:endParaRPr lang="en-US" sz="1200">
-              <a:latin typeface="Garamond" charset="0"/>
-              <a:cs typeface="Arial" charset="0"/>
-            </a:endParaRPr>
-          </a:p>
-        </p:txBody>
-      </p:sp>
-      <p:sp>
-        <p:nvSpPr>
-          <p:cNvPr id="5" name="Footer Placeholder 4"/>
-          <p:cNvSpPr>
-            <a:spLocks noGrp="1"/>
-          </p:cNvSpPr>
-          <p:nvPr>
-            <p:ph type="ftr" sz="quarter" idx="11"/>
-          </p:nvPr>
-        </p:nvSpPr>
-        <p:spPr/>
-        <p:txBody>
-          <a:bodyPr/>
-          <a:lstStyle/>
-          <a:p>
-            <a:pPr>
-              <a:defRPr/>
-            </a:pPr>
-            <a:r>
-              <a:rPr lang="en-US" altLang="en-US" smtClean="0"/>
-              <a:t>ECE Application Programming: Lecture 22</a:t>
-            </a:r>
-            <a:endParaRPr lang="en-US" altLang="en-US"/>
-          </a:p>
-        </p:txBody>
-      </p:sp>
-      <p:sp>
-        <p:nvSpPr>
-          <p:cNvPr id="22533" name="Slide Number Placeholder 5"/>
-          <p:cNvSpPr>
-            <a:spLocks noGrp="1"/>
-          </p:cNvSpPr>
-          <p:nvPr>
-            <p:ph type="sldNum" sz="quarter" idx="12"/>
-          </p:nvPr>
-        </p:nvSpPr>
-        <p:spPr>
-          <a:noFill/>
-          <a:ln/>
-          <a:extLst>
-            <a:ext uri="{909E8E84-426E-40dd-AFC4-6F175D3DCCD1}">
-              <a14:hiddenFill xmlns:a14="http://schemas.microsoft.com/office/drawing/2010/main">
-                <a:solidFill>
-                  <a:srgbClr val="FFFFFF"/>
-                </a:solidFill>
-              </a14:hiddenFill>
-            </a:ext>
-            <a:ext uri="{91240B29-F687-4f45-9708-019B960494DF}">
-              <a14:hiddenLine xmlns:a14="http://schemas.microsoft.com/office/drawing/2010/main" w="9525">
-                <a:solidFill>
-                  <a:srgbClr val="000000"/>
-                </a:solidFill>
-                <a:miter lim="800000"/>
-                <a:headEnd/>
-                <a:tailEnd/>
-              </a14:hiddenLine>
-            </a:ext>
-          </a:extLst>
-        </p:spPr>
-        <p:txBody>
-          <a:bodyPr/>
-          <a:lstStyle>
-            <a:lvl1pPr eaLnBrk="0" hangingPunct="0">
-              <a:defRPr sz="2400">
-                <a:solidFill>
-                  <a:schemeClr val="tx1"/>
-                </a:solidFill>
-                <a:latin typeface="Arial" charset="0"/>
-                <a:ea typeface="ＭＳ Ｐゴシック" charset="0"/>
-                <a:cs typeface="ＭＳ Ｐゴシック" charset="0"/>
-              </a:defRPr>
-            </a:lvl1pPr>
-            <a:lvl2pPr marL="742950" indent="-285750" eaLnBrk="0" hangingPunct="0">
-              <a:defRPr sz="2400">
-                <a:solidFill>
-                  <a:schemeClr val="tx1"/>
-                </a:solidFill>
-                <a:latin typeface="Arial" charset="0"/>
-                <a:ea typeface="ＭＳ Ｐゴシック" charset="0"/>
-              </a:defRPr>
-            </a:lvl2pPr>
-            <a:lvl3pPr marL="1143000" indent="-228600" eaLnBrk="0" hangingPunct="0">
-              <a:defRPr sz="2400">
-                <a:solidFill>
-                  <a:schemeClr val="tx1"/>
-                </a:solidFill>
-                <a:latin typeface="Arial" charset="0"/>
-                <a:ea typeface="ＭＳ Ｐゴシック" charset="0"/>
-              </a:defRPr>
-            </a:lvl3pPr>
-            <a:lvl4pPr marL="1600200" indent="-228600" eaLnBrk="0" hangingPunct="0">
-              <a:defRPr sz="2400">
-                <a:solidFill>
-                  <a:schemeClr val="tx1"/>
-                </a:solidFill>
-                <a:latin typeface="Arial" charset="0"/>
-                <a:ea typeface="ＭＳ Ｐゴシック" charset="0"/>
-              </a:defRPr>
-            </a:lvl4pPr>
-            <a:lvl5pPr marL="2057400" indent="-228600" eaLnBrk="0" hangingPunct="0">
-              <a:defRPr sz="2400">
-                <a:solidFill>
-                  <a:schemeClr val="tx1"/>
-                </a:solidFill>
-                <a:latin typeface="Arial" charset="0"/>
-                <a:ea typeface="ＭＳ Ｐゴシック" charset="0"/>
-              </a:defRPr>
-            </a:lvl5pPr>
-            <a:lvl6pPr marL="2514600" indent="-228600" eaLnBrk="0" fontAlgn="base" hangingPunct="0">
-              <a:spcBef>
-                <a:spcPct val="0"/>
-              </a:spcBef>
-              <a:spcAft>
-                <a:spcPct val="0"/>
-              </a:spcAft>
-              <a:defRPr sz="2400">
-                <a:solidFill>
-                  <a:schemeClr val="tx1"/>
-                </a:solidFill>
-                <a:latin typeface="Arial" charset="0"/>
-                <a:ea typeface="ＭＳ Ｐゴシック" charset="0"/>
-              </a:defRPr>
-            </a:lvl6pPr>
-            <a:lvl7pPr marL="2971800" indent="-228600" eaLnBrk="0" fontAlgn="base" hangingPunct="0">
-              <a:spcBef>
-                <a:spcPct val="0"/>
-              </a:spcBef>
-              <a:spcAft>
-                <a:spcPct val="0"/>
-              </a:spcAft>
-              <a:defRPr sz="2400">
-                <a:solidFill>
-                  <a:schemeClr val="tx1"/>
-                </a:solidFill>
-                <a:latin typeface="Arial" charset="0"/>
-                <a:ea typeface="ＭＳ Ｐゴシック" charset="0"/>
-              </a:defRPr>
-            </a:lvl7pPr>
-            <a:lvl8pPr marL="3429000" indent="-228600" eaLnBrk="0" fontAlgn="base" hangingPunct="0">
-              <a:spcBef>
-                <a:spcPct val="0"/>
-              </a:spcBef>
-              <a:spcAft>
-                <a:spcPct val="0"/>
-              </a:spcAft>
-              <a:defRPr sz="2400">
-                <a:solidFill>
-                  <a:schemeClr val="tx1"/>
-                </a:solidFill>
-                <a:latin typeface="Arial" charset="0"/>
-                <a:ea typeface="ＭＳ Ｐゴシック" charset="0"/>
-              </a:defRPr>
-            </a:lvl8pPr>
-            <a:lvl9pPr marL="3886200" indent="-228600" eaLnBrk="0" fontAlgn="base" hangingPunct="0">
-              <a:spcBef>
-                <a:spcPct val="0"/>
-              </a:spcBef>
-              <a:spcAft>
-                <a:spcPct val="0"/>
-              </a:spcAft>
-              <a:defRPr sz="2400">
-                <a:solidFill>
-                  <a:schemeClr val="tx1"/>
-                </a:solidFill>
-                <a:latin typeface="Arial" charset="0"/>
-                <a:ea typeface="ＭＳ Ｐゴシック" charset="0"/>
-              </a:defRPr>
-            </a:lvl9pPr>
-          </a:lstStyle>
-          <a:p>
-            <a:pPr eaLnBrk="1" hangingPunct="1"/>
-            <a:fld id="{2C301CE6-3F17-A846-BA25-0D6463054381}" type="slidenum">
-              <a:rPr lang="en-US" sz="1200">
-                <a:latin typeface="Garamond" charset="0"/>
-                <a:cs typeface="Arial" charset="0"/>
-              </a:rPr>
-              <a:pPr eaLnBrk="1" hangingPunct="1"/>
-              <a:t>10</a:t>
-            </a:fld>
-            <a:endParaRPr lang="en-US" sz="1200">
-              <a:latin typeface="Garamond" charset="0"/>
-              <a:cs typeface="Arial" charset="0"/>
-            </a:endParaRPr>
-          </a:p>
-        </p:txBody>
-      </p:sp>
-    </p:spTree>
-    <p:extLst>
-      <p:ext uri="{BB962C8B-B14F-4D97-AF65-F5344CB8AC3E}">
-        <p14:creationId xmlns:p14="http://schemas.microsoft.com/office/powerpoint/2010/main" val="1910648341"/>
-      </p:ext>
-    </p:extLst>
-  </p:cSld>
-  <p:clrMapOvr>
-    <a:masterClrMapping/>
-  </p:clrMapOvr>
-  <p:timing>
-    <p:tnLst>
-      <p:par>
-        <p:cTn xmlns:p14="http://schemas.microsoft.com/office/powerpoint/2010/main" id="1" dur="indefinite" restart="never" nodeType="tmRoot"/>
-      </p:par>
-    </p:tnLst>
-  </p:timing>
-</p:sld>
-</file>
-
-<file path=ppt/slides/slide11.xml><?xml version="1.0" encoding="utf-8"?>
-<p:sld xmlns:a="http://schemas.openxmlformats.org/drawingml/2006/main" xmlns:r="http://schemas.openxmlformats.org/officeDocument/2006/relationships" xmlns:p="http://schemas.openxmlformats.org/presentationml/2006/main">
-  <p:cSld>
-    <p:spTree>
-      <p:nvGrpSpPr>
-        <p:cNvPr id="1" name=""/>
-        <p:cNvGrpSpPr/>
-        <p:nvPr/>
-      </p:nvGrpSpPr>
-      <p:grpSpPr>
-        <a:xfrm>
-          <a:off x="0" y="0"/>
-          <a:ext cx="0" cy="0"/>
-          <a:chOff x="0" y="0"/>
-          <a:chExt cx="0" cy="0"/>
-        </a:xfrm>
-      </p:grpSpPr>
-      <p:sp>
-        <p:nvSpPr>
-          <p:cNvPr id="23553" name="Title 1"/>
-          <p:cNvSpPr>
-            <a:spLocks noGrp="1"/>
-          </p:cNvSpPr>
-          <p:nvPr>
-            <p:ph type="title"/>
-          </p:nvPr>
-        </p:nvSpPr>
-        <p:spPr/>
-        <p:txBody>
-          <a:bodyPr/>
-          <a:lstStyle/>
-          <a:p>
-            <a:r>
-              <a:rPr lang="en-US">
-                <a:latin typeface="Garamond" charset="0"/>
-              </a:rPr>
-              <a:t>String functions (cont.)</a:t>
-            </a:r>
-          </a:p>
-        </p:txBody>
-      </p:sp>
-      <p:sp>
-        <p:nvSpPr>
-          <p:cNvPr id="23554" name="Content Placeholder 2"/>
-          <p:cNvSpPr>
-            <a:spLocks noGrp="1"/>
-          </p:cNvSpPr>
-          <p:nvPr>
-            <p:ph idx="1"/>
-          </p:nvPr>
-        </p:nvSpPr>
-        <p:spPr/>
-        <p:txBody>
-          <a:bodyPr/>
-          <a:lstStyle/>
-          <a:p>
-            <a:pPr>
-              <a:lnSpc>
-                <a:spcPct val="80000"/>
-              </a:lnSpc>
-            </a:pPr>
-            <a:r>
-              <a:rPr lang="en-US" sz="2800">
-                <a:latin typeface="Arial" charset="0"/>
-              </a:rPr>
-              <a:t>In </a:t>
-            </a:r>
-            <a:r>
-              <a:rPr lang="en-US" sz="2800">
-                <a:latin typeface="Courier New" charset="0"/>
-                <a:cs typeface="Courier New" charset="0"/>
-              </a:rPr>
-              <a:t>&lt;string.h&gt;</a:t>
-            </a:r>
-            <a:r>
-              <a:rPr lang="en-US" sz="2800">
-                <a:latin typeface="Arial" charset="0"/>
-              </a:rPr>
-              <a:t> library:</a:t>
-            </a:r>
-          </a:p>
-          <a:p>
-            <a:pPr lvl="1">
-              <a:lnSpc>
-                <a:spcPct val="80000"/>
-              </a:lnSpc>
-            </a:pPr>
-            <a:r>
-              <a:rPr lang="en-US" sz="2400">
-                <a:latin typeface="Arial" charset="0"/>
-              </a:rPr>
-              <a:t>Copying strings:</a:t>
-            </a:r>
-          </a:p>
-          <a:p>
-            <a:pPr lvl="2">
-              <a:lnSpc>
-                <a:spcPct val="80000"/>
-              </a:lnSpc>
-            </a:pPr>
-            <a:r>
-              <a:rPr lang="en-US" sz="2000">
-                <a:latin typeface="Courier New" charset="0"/>
-                <a:cs typeface="Courier New" charset="0"/>
-              </a:rPr>
-              <a:t>char *strcpy(char *dest, </a:t>
-            </a:r>
-          </a:p>
-          <a:p>
-            <a:pPr lvl="2">
-              <a:lnSpc>
-                <a:spcPct val="80000"/>
-              </a:lnSpc>
-              <a:buFont typeface="Wingdings" charset="0"/>
-              <a:buNone/>
-            </a:pPr>
-            <a:r>
-              <a:rPr lang="en-US" sz="2000">
-                <a:latin typeface="Courier New" charset="0"/>
-                <a:cs typeface="Courier New" charset="0"/>
-              </a:rPr>
-              <a:t>			   const char *source);</a:t>
-            </a:r>
-          </a:p>
-          <a:p>
-            <a:pPr lvl="2">
-              <a:lnSpc>
-                <a:spcPct val="80000"/>
-              </a:lnSpc>
-            </a:pPr>
-            <a:r>
-              <a:rPr lang="en-US" sz="2000">
-                <a:latin typeface="Courier New" charset="0"/>
-                <a:cs typeface="Courier New" charset="0"/>
-              </a:rPr>
-              <a:t>char *strncpy(char *dest, </a:t>
-            </a:r>
-          </a:p>
-          <a:p>
-            <a:pPr lvl="2">
-              <a:lnSpc>
-                <a:spcPct val="80000"/>
-              </a:lnSpc>
-              <a:buFont typeface="Wingdings" charset="0"/>
-              <a:buNone/>
-            </a:pPr>
-            <a:r>
-              <a:rPr lang="en-US" sz="2000">
-                <a:latin typeface="Courier New" charset="0"/>
-                <a:cs typeface="Courier New" charset="0"/>
-              </a:rPr>
-              <a:t>			    const char *source, </a:t>
-            </a:r>
-          </a:p>
-          <a:p>
-            <a:pPr lvl="2">
-              <a:lnSpc>
-                <a:spcPct val="80000"/>
-              </a:lnSpc>
-              <a:buFont typeface="Wingdings" charset="0"/>
-              <a:buNone/>
-            </a:pPr>
-            <a:r>
-              <a:rPr lang="en-US" sz="2000">
-                <a:latin typeface="Courier New" charset="0"/>
-                <a:cs typeface="Courier New" charset="0"/>
-              </a:rPr>
-              <a:t>			    size_t num);</a:t>
-            </a:r>
-          </a:p>
-          <a:p>
-            <a:pPr lvl="2">
-              <a:lnSpc>
-                <a:spcPct val="80000"/>
-              </a:lnSpc>
-            </a:pPr>
-            <a:r>
-              <a:rPr lang="en-US" sz="2000">
-                <a:latin typeface="Arial" charset="0"/>
-              </a:rPr>
-              <a:t>Return </a:t>
-            </a:r>
-            <a:r>
-              <a:rPr lang="en-US" sz="2000">
-                <a:latin typeface="Courier New" charset="0"/>
-                <a:cs typeface="Courier New" charset="0"/>
-              </a:rPr>
-              <a:t>dest</a:t>
-            </a:r>
-          </a:p>
-          <a:p>
-            <a:pPr lvl="2">
-              <a:lnSpc>
-                <a:spcPct val="80000"/>
-              </a:lnSpc>
-            </a:pPr>
-            <a:r>
-              <a:rPr lang="en-US" sz="2000">
-                <a:latin typeface="Arial" charset="0"/>
-                <a:cs typeface="Courier New" charset="0"/>
-              </a:rPr>
-              <a:t>Does not append </a:t>
-            </a:r>
-            <a:r>
-              <a:rPr lang="ja-JP" altLang="en-US" sz="2000">
-                <a:latin typeface="Arial" charset="0"/>
-                <a:cs typeface="Courier New" charset="0"/>
-              </a:rPr>
-              <a:t>‘</a:t>
-            </a:r>
-            <a:r>
-              <a:rPr lang="en-US" altLang="ja-JP" sz="2000">
-                <a:latin typeface="Arial" charset="0"/>
-                <a:cs typeface="Courier New" charset="0"/>
-              </a:rPr>
-              <a:t>\0</a:t>
-            </a:r>
-            <a:r>
-              <a:rPr lang="ja-JP" altLang="en-US" sz="2000">
-                <a:latin typeface="Arial" charset="0"/>
-                <a:cs typeface="Courier New" charset="0"/>
-              </a:rPr>
-              <a:t>’</a:t>
-            </a:r>
-            <a:r>
-              <a:rPr lang="en-US" altLang="ja-JP" sz="2000">
-                <a:latin typeface="Arial" charset="0"/>
-                <a:cs typeface="Courier New" charset="0"/>
-              </a:rPr>
-              <a:t> unless length of </a:t>
-            </a:r>
-            <a:r>
-              <a:rPr lang="en-US" altLang="ja-JP" sz="2000">
-                <a:latin typeface="Courier New" charset="0"/>
-                <a:cs typeface="Courier New" charset="0"/>
-              </a:rPr>
-              <a:t>source</a:t>
-            </a:r>
-            <a:r>
-              <a:rPr lang="en-US" altLang="ja-JP" sz="2000">
-                <a:latin typeface="Arial" charset="0"/>
-                <a:cs typeface="Courier New" charset="0"/>
-              </a:rPr>
-              <a:t> &lt; </a:t>
-            </a:r>
-            <a:r>
-              <a:rPr lang="en-US" altLang="ja-JP" sz="2000">
-                <a:latin typeface="Courier New" charset="0"/>
-                <a:cs typeface="Courier New" charset="0"/>
-              </a:rPr>
-              <a:t>num</a:t>
-            </a:r>
-          </a:p>
-          <a:p>
-            <a:pPr lvl="1">
-              <a:lnSpc>
-                <a:spcPct val="80000"/>
-              </a:lnSpc>
-            </a:pPr>
-            <a:r>
-              <a:rPr lang="en-US" sz="2400">
-                <a:latin typeface="Arial" charset="0"/>
-              </a:rPr>
-              <a:t>Comparing strings:</a:t>
-            </a:r>
-          </a:p>
-          <a:p>
-            <a:pPr lvl="2">
-              <a:lnSpc>
-                <a:spcPct val="80000"/>
-              </a:lnSpc>
-            </a:pPr>
-            <a:r>
-              <a:rPr lang="en-US" sz="2000">
-                <a:latin typeface="Courier New" charset="0"/>
-                <a:cs typeface="Courier New" charset="0"/>
-              </a:rPr>
-              <a:t>int strcmp(const char *s1, const char *s2);</a:t>
-            </a:r>
-          </a:p>
-          <a:p>
-            <a:pPr lvl="2">
-              <a:lnSpc>
-                <a:spcPct val="80000"/>
-              </a:lnSpc>
-            </a:pPr>
-            <a:r>
-              <a:rPr lang="en-US" sz="2000">
-                <a:latin typeface="Courier New" charset="0"/>
-                <a:cs typeface="Courier New" charset="0"/>
-              </a:rPr>
-              <a:t>int strncmp(const char *s1, const char *s2, 		size_t num);</a:t>
-            </a:r>
-          </a:p>
-          <a:p>
-            <a:pPr lvl="2">
-              <a:lnSpc>
-                <a:spcPct val="80000"/>
-              </a:lnSpc>
-            </a:pPr>
-            <a:r>
-              <a:rPr lang="en-US" sz="2000">
-                <a:latin typeface="Arial" charset="0"/>
-                <a:cs typeface="Courier New" charset="0"/>
-              </a:rPr>
-              <a:t>Character-by-character comparison of character values</a:t>
-            </a:r>
-          </a:p>
-          <a:p>
-            <a:pPr lvl="2">
-              <a:lnSpc>
-                <a:spcPct val="80000"/>
-              </a:lnSpc>
-            </a:pPr>
-            <a:r>
-              <a:rPr lang="en-US" sz="2000">
-                <a:latin typeface="Arial" charset="0"/>
-                <a:cs typeface="Courier New" charset="0"/>
-              </a:rPr>
-              <a:t>Returns 0 if s1 == s2, &gt;0 if s1 &gt; s2, &lt;0 if s1 &lt; s2</a:t>
-            </a:r>
-          </a:p>
-        </p:txBody>
-      </p:sp>
-      <p:sp>
-        <p:nvSpPr>
-          <p:cNvPr id="23555" name="Date Placeholder 3"/>
-          <p:cNvSpPr>
-            <a:spLocks noGrp="1"/>
-          </p:cNvSpPr>
-          <p:nvPr>
-            <p:ph type="dt" sz="quarter" idx="10"/>
-          </p:nvPr>
-        </p:nvSpPr>
-        <p:spPr>
-          <a:noFill/>
-          <a:ln/>
-          <a:extLst>
-            <a:ext uri="{909E8E84-426E-40dd-AFC4-6F175D3DCCD1}">
-              <a14:hiddenFill xmlns:a14="http://schemas.microsoft.com/office/drawing/2010/main">
-                <a:solidFill>
-                  <a:srgbClr val="FFFFFF"/>
-                </a:solidFill>
-              </a14:hiddenFill>
-            </a:ext>
-            <a:ext uri="{91240B29-F687-4f45-9708-019B960494DF}">
-              <a14:hiddenLine xmlns:a14="http://schemas.microsoft.com/office/drawing/2010/main" w="9525">
-                <a:solidFill>
-                  <a:srgbClr val="000000"/>
-                </a:solidFill>
-                <a:miter lim="800000"/>
-                <a:headEnd/>
-                <a:tailEnd/>
-              </a14:hiddenLine>
-            </a:ext>
-          </a:extLst>
-        </p:spPr>
-        <p:txBody>
-          <a:bodyPr/>
-          <a:lstStyle>
-            <a:lvl1pPr eaLnBrk="0" hangingPunct="0">
-              <a:defRPr sz="2400">
-                <a:solidFill>
-                  <a:schemeClr val="tx1"/>
-                </a:solidFill>
-                <a:latin typeface="Arial" charset="0"/>
-                <a:ea typeface="ＭＳ Ｐゴシック" charset="0"/>
-                <a:cs typeface="ＭＳ Ｐゴシック" charset="0"/>
-              </a:defRPr>
-            </a:lvl1pPr>
-            <a:lvl2pPr marL="742950" indent="-285750" eaLnBrk="0" hangingPunct="0">
-              <a:defRPr sz="2400">
-                <a:solidFill>
-                  <a:schemeClr val="tx1"/>
-                </a:solidFill>
-                <a:latin typeface="Arial" charset="0"/>
-                <a:ea typeface="ＭＳ Ｐゴシック" charset="0"/>
-              </a:defRPr>
-            </a:lvl2pPr>
-            <a:lvl3pPr marL="1143000" indent="-228600" eaLnBrk="0" hangingPunct="0">
-              <a:defRPr sz="2400">
-                <a:solidFill>
-                  <a:schemeClr val="tx1"/>
-                </a:solidFill>
-                <a:latin typeface="Arial" charset="0"/>
-                <a:ea typeface="ＭＳ Ｐゴシック" charset="0"/>
-              </a:defRPr>
-            </a:lvl3pPr>
-            <a:lvl4pPr marL="1600200" indent="-228600" eaLnBrk="0" hangingPunct="0">
-              <a:defRPr sz="2400">
-                <a:solidFill>
-                  <a:schemeClr val="tx1"/>
-                </a:solidFill>
-                <a:latin typeface="Arial" charset="0"/>
-                <a:ea typeface="ＭＳ Ｐゴシック" charset="0"/>
-              </a:defRPr>
-            </a:lvl4pPr>
-            <a:lvl5pPr marL="2057400" indent="-228600" eaLnBrk="0" hangingPunct="0">
-              <a:defRPr sz="2400">
-                <a:solidFill>
-                  <a:schemeClr val="tx1"/>
-                </a:solidFill>
-                <a:latin typeface="Arial" charset="0"/>
-                <a:ea typeface="ＭＳ Ｐゴシック" charset="0"/>
-              </a:defRPr>
-            </a:lvl5pPr>
-            <a:lvl6pPr marL="2514600" indent="-228600" eaLnBrk="0" fontAlgn="base" hangingPunct="0">
-              <a:spcBef>
-                <a:spcPct val="0"/>
-              </a:spcBef>
-              <a:spcAft>
-                <a:spcPct val="0"/>
-              </a:spcAft>
-              <a:defRPr sz="2400">
-                <a:solidFill>
-                  <a:schemeClr val="tx1"/>
-                </a:solidFill>
-                <a:latin typeface="Arial" charset="0"/>
-                <a:ea typeface="ＭＳ Ｐゴシック" charset="0"/>
-              </a:defRPr>
-            </a:lvl6pPr>
-            <a:lvl7pPr marL="2971800" indent="-228600" eaLnBrk="0" fontAlgn="base" hangingPunct="0">
-              <a:spcBef>
-                <a:spcPct val="0"/>
-              </a:spcBef>
-              <a:spcAft>
-                <a:spcPct val="0"/>
-              </a:spcAft>
-              <a:defRPr sz="2400">
-                <a:solidFill>
-                  <a:schemeClr val="tx1"/>
-                </a:solidFill>
-                <a:latin typeface="Arial" charset="0"/>
-                <a:ea typeface="ＭＳ Ｐゴシック" charset="0"/>
-              </a:defRPr>
-            </a:lvl7pPr>
-            <a:lvl8pPr marL="3429000" indent="-228600" eaLnBrk="0" fontAlgn="base" hangingPunct="0">
-              <a:spcBef>
-                <a:spcPct val="0"/>
-              </a:spcBef>
-              <a:spcAft>
-                <a:spcPct val="0"/>
-              </a:spcAft>
-              <a:defRPr sz="2400">
-                <a:solidFill>
-                  <a:schemeClr val="tx1"/>
-                </a:solidFill>
-                <a:latin typeface="Arial" charset="0"/>
-                <a:ea typeface="ＭＳ Ｐゴシック" charset="0"/>
-              </a:defRPr>
-            </a:lvl8pPr>
-            <a:lvl9pPr marL="3886200" indent="-228600" eaLnBrk="0" fontAlgn="base" hangingPunct="0">
-              <a:spcBef>
-                <a:spcPct val="0"/>
-              </a:spcBef>
-              <a:spcAft>
-                <a:spcPct val="0"/>
-              </a:spcAft>
-              <a:defRPr sz="2400">
-                <a:solidFill>
-                  <a:schemeClr val="tx1"/>
-                </a:solidFill>
-                <a:latin typeface="Arial" charset="0"/>
-                <a:ea typeface="ＭＳ Ｐゴシック" charset="0"/>
-              </a:defRPr>
-            </a:lvl9pPr>
-          </a:lstStyle>
-          <a:p>
-            <a:pPr eaLnBrk="1" hangingPunct="1"/>
-            <a:fld id="{3F09BA82-A5C9-8644-B2C5-3E1B03546B73}" type="datetime1">
-              <a:rPr lang="en-US" sz="1200" smtClean="0">
-                <a:latin typeface="Garamond" charset="0"/>
-                <a:cs typeface="Arial" charset="0"/>
-              </a:rPr>
-              <a:t>10/26/16</a:t>
-            </a:fld>
-            <a:endParaRPr lang="en-US" sz="1200">
-              <a:latin typeface="Garamond" charset="0"/>
-              <a:cs typeface="Arial" charset="0"/>
-            </a:endParaRPr>
-          </a:p>
-        </p:txBody>
-      </p:sp>
-      <p:sp>
-        <p:nvSpPr>
-          <p:cNvPr id="5" name="Footer Placeholder 4"/>
-          <p:cNvSpPr>
-            <a:spLocks noGrp="1"/>
-          </p:cNvSpPr>
-          <p:nvPr>
-            <p:ph type="ftr" sz="quarter" idx="11"/>
-          </p:nvPr>
-        </p:nvSpPr>
-        <p:spPr/>
-        <p:txBody>
-          <a:bodyPr/>
-          <a:lstStyle/>
-          <a:p>
-            <a:pPr>
-              <a:defRPr/>
-            </a:pPr>
-            <a:r>
-              <a:rPr lang="en-US" altLang="en-US" smtClean="0"/>
-              <a:t>ECE Application Programming: Lecture 22</a:t>
-            </a:r>
-            <a:endParaRPr lang="en-US" altLang="en-US"/>
-          </a:p>
-        </p:txBody>
-      </p:sp>
-      <p:sp>
-        <p:nvSpPr>
-          <p:cNvPr id="23557" name="Slide Number Placeholder 5"/>
-          <p:cNvSpPr>
-            <a:spLocks noGrp="1"/>
-          </p:cNvSpPr>
-          <p:nvPr>
-            <p:ph type="sldNum" sz="quarter" idx="12"/>
-          </p:nvPr>
-        </p:nvSpPr>
-        <p:spPr>
-          <a:noFill/>
-          <a:ln/>
-          <a:extLst>
-            <a:ext uri="{909E8E84-426E-40dd-AFC4-6F175D3DCCD1}">
-              <a14:hiddenFill xmlns:a14="http://schemas.microsoft.com/office/drawing/2010/main">
-                <a:solidFill>
-                  <a:srgbClr val="FFFFFF"/>
-                </a:solidFill>
-              </a14:hiddenFill>
-            </a:ext>
-            <a:ext uri="{91240B29-F687-4f45-9708-019B960494DF}">
-              <a14:hiddenLine xmlns:a14="http://schemas.microsoft.com/office/drawing/2010/main" w="9525">
-                <a:solidFill>
-                  <a:srgbClr val="000000"/>
-                </a:solidFill>
-                <a:miter lim="800000"/>
-                <a:headEnd/>
-                <a:tailEnd/>
-              </a14:hiddenLine>
-            </a:ext>
-          </a:extLst>
-        </p:spPr>
-        <p:txBody>
-          <a:bodyPr/>
-          <a:lstStyle>
-            <a:lvl1pPr eaLnBrk="0" hangingPunct="0">
-              <a:defRPr sz="2400">
-                <a:solidFill>
-                  <a:schemeClr val="tx1"/>
-                </a:solidFill>
-                <a:latin typeface="Arial" charset="0"/>
-                <a:ea typeface="ＭＳ Ｐゴシック" charset="0"/>
-                <a:cs typeface="ＭＳ Ｐゴシック" charset="0"/>
-              </a:defRPr>
-            </a:lvl1pPr>
-            <a:lvl2pPr marL="742950" indent="-285750" eaLnBrk="0" hangingPunct="0">
-              <a:defRPr sz="2400">
-                <a:solidFill>
-                  <a:schemeClr val="tx1"/>
-                </a:solidFill>
-                <a:latin typeface="Arial" charset="0"/>
-                <a:ea typeface="ＭＳ Ｐゴシック" charset="0"/>
-              </a:defRPr>
-            </a:lvl2pPr>
-            <a:lvl3pPr marL="1143000" indent="-228600" eaLnBrk="0" hangingPunct="0">
-              <a:defRPr sz="2400">
-                <a:solidFill>
-                  <a:schemeClr val="tx1"/>
-                </a:solidFill>
-                <a:latin typeface="Arial" charset="0"/>
-                <a:ea typeface="ＭＳ Ｐゴシック" charset="0"/>
-              </a:defRPr>
-            </a:lvl3pPr>
-            <a:lvl4pPr marL="1600200" indent="-228600" eaLnBrk="0" hangingPunct="0">
-              <a:defRPr sz="2400">
-                <a:solidFill>
-                  <a:schemeClr val="tx1"/>
-                </a:solidFill>
-                <a:latin typeface="Arial" charset="0"/>
-                <a:ea typeface="ＭＳ Ｐゴシック" charset="0"/>
-              </a:defRPr>
-            </a:lvl4pPr>
-            <a:lvl5pPr marL="2057400" indent="-228600" eaLnBrk="0" hangingPunct="0">
-              <a:defRPr sz="2400">
-                <a:solidFill>
-                  <a:schemeClr val="tx1"/>
-                </a:solidFill>
-                <a:latin typeface="Arial" charset="0"/>
-                <a:ea typeface="ＭＳ Ｐゴシック" charset="0"/>
-              </a:defRPr>
-            </a:lvl5pPr>
-            <a:lvl6pPr marL="2514600" indent="-228600" eaLnBrk="0" fontAlgn="base" hangingPunct="0">
-              <a:spcBef>
-                <a:spcPct val="0"/>
-              </a:spcBef>
-              <a:spcAft>
-                <a:spcPct val="0"/>
-              </a:spcAft>
-              <a:defRPr sz="2400">
-                <a:solidFill>
-                  <a:schemeClr val="tx1"/>
-                </a:solidFill>
-                <a:latin typeface="Arial" charset="0"/>
-                <a:ea typeface="ＭＳ Ｐゴシック" charset="0"/>
-              </a:defRPr>
-            </a:lvl6pPr>
-            <a:lvl7pPr marL="2971800" indent="-228600" eaLnBrk="0" fontAlgn="base" hangingPunct="0">
-              <a:spcBef>
-                <a:spcPct val="0"/>
-              </a:spcBef>
-              <a:spcAft>
-                <a:spcPct val="0"/>
-              </a:spcAft>
-              <a:defRPr sz="2400">
-                <a:solidFill>
-                  <a:schemeClr val="tx1"/>
-                </a:solidFill>
-                <a:latin typeface="Arial" charset="0"/>
-                <a:ea typeface="ＭＳ Ｐゴシック" charset="0"/>
-              </a:defRPr>
-            </a:lvl7pPr>
-            <a:lvl8pPr marL="3429000" indent="-228600" eaLnBrk="0" fontAlgn="base" hangingPunct="0">
-              <a:spcBef>
-                <a:spcPct val="0"/>
-              </a:spcBef>
-              <a:spcAft>
-                <a:spcPct val="0"/>
-              </a:spcAft>
-              <a:defRPr sz="2400">
-                <a:solidFill>
-                  <a:schemeClr val="tx1"/>
-                </a:solidFill>
-                <a:latin typeface="Arial" charset="0"/>
-                <a:ea typeface="ＭＳ Ｐゴシック" charset="0"/>
-              </a:defRPr>
-            </a:lvl8pPr>
-            <a:lvl9pPr marL="3886200" indent="-228600" eaLnBrk="0" fontAlgn="base" hangingPunct="0">
-              <a:spcBef>
-                <a:spcPct val="0"/>
-              </a:spcBef>
-              <a:spcAft>
-                <a:spcPct val="0"/>
-              </a:spcAft>
-              <a:defRPr sz="2400">
-                <a:solidFill>
-                  <a:schemeClr val="tx1"/>
-                </a:solidFill>
-                <a:latin typeface="Arial" charset="0"/>
-                <a:ea typeface="ＭＳ Ｐゴシック" charset="0"/>
-              </a:defRPr>
-            </a:lvl9pPr>
-          </a:lstStyle>
-          <a:p>
-            <a:pPr eaLnBrk="1" hangingPunct="1"/>
-            <a:fld id="{6CD81D62-82F2-7344-B049-4ED08255A5DC}" type="slidenum">
-              <a:rPr lang="en-US" sz="1200">
-                <a:latin typeface="Garamond" charset="0"/>
-                <a:cs typeface="Arial" charset="0"/>
-              </a:rPr>
-              <a:pPr eaLnBrk="1" hangingPunct="1"/>
-              <a:t>11</a:t>
-            </a:fld>
-            <a:endParaRPr lang="en-US" sz="1200">
-              <a:latin typeface="Garamond" charset="0"/>
-              <a:cs typeface="Arial" charset="0"/>
-            </a:endParaRPr>
-          </a:p>
-        </p:txBody>
-      </p:sp>
-    </p:spTree>
-    <p:extLst>
-      <p:ext uri="{BB962C8B-B14F-4D97-AF65-F5344CB8AC3E}">
-        <p14:creationId xmlns:p14="http://schemas.microsoft.com/office/powerpoint/2010/main" val="1446525147"/>
-      </p:ext>
-    </p:extLst>
-  </p:cSld>
-  <p:clrMapOvr>
-    <a:masterClrMapping/>
-  </p:clrMapOvr>
-  <p:timing>
-    <p:tnLst>
-      <p:par>
-        <p:cTn xmlns:p14="http://schemas.microsoft.com/office/powerpoint/2010/main" id="1" dur="indefinite" restart="never" nodeType="tmRoot"/>
-      </p:par>
-    </p:tnLst>
-  </p:timing>
-</p:sld>
-</file>
-
-<file path=ppt/slides/slide12.xml><?xml version="1.0" encoding="utf-8"?>
-<p:sld xmlns:a="http://schemas.openxmlformats.org/drawingml/2006/main" xmlns:r="http://schemas.openxmlformats.org/officeDocument/2006/relationships" xmlns:p="http://schemas.openxmlformats.org/presentationml/2006/main">
-  <p:cSld>
-    <p:spTree>
-      <p:nvGrpSpPr>
-        <p:cNvPr id="1" name=""/>
-        <p:cNvGrpSpPr/>
-        <p:nvPr/>
-      </p:nvGrpSpPr>
-      <p:grpSpPr>
-        <a:xfrm>
-          <a:off x="0" y="0"/>
-          <a:ext cx="0" cy="0"/>
-          <a:chOff x="0" y="0"/>
-          <a:chExt cx="0" cy="0"/>
-        </a:xfrm>
-      </p:grpSpPr>
-      <p:sp>
-        <p:nvSpPr>
-          <p:cNvPr id="24577" name="Title 1"/>
-          <p:cNvSpPr>
-            <a:spLocks noGrp="1"/>
-          </p:cNvSpPr>
-          <p:nvPr>
-            <p:ph type="title"/>
-          </p:nvPr>
-        </p:nvSpPr>
-        <p:spPr/>
-        <p:txBody>
-          <a:bodyPr/>
-          <a:lstStyle/>
-          <a:p>
-            <a:r>
-              <a:rPr lang="en-US">
-                <a:latin typeface="Garamond" charset="0"/>
-              </a:rPr>
-              <a:t>String functions (cont.)</a:t>
-            </a:r>
-          </a:p>
-        </p:txBody>
-      </p:sp>
-      <p:sp>
-        <p:nvSpPr>
-          <p:cNvPr id="24578" name="Content Placeholder 2"/>
-          <p:cNvSpPr>
-            <a:spLocks noGrp="1"/>
-          </p:cNvSpPr>
-          <p:nvPr>
-            <p:ph idx="1"/>
-          </p:nvPr>
-        </p:nvSpPr>
-        <p:spPr/>
-        <p:txBody>
-          <a:bodyPr/>
-          <a:lstStyle/>
-          <a:p>
-            <a:pPr>
-              <a:lnSpc>
-                <a:spcPct val="90000"/>
-              </a:lnSpc>
-            </a:pPr>
-            <a:r>
-              <a:rPr lang="en-US">
-                <a:latin typeface="Arial" charset="0"/>
-              </a:rPr>
-              <a:t>Find # of characters in a string</a:t>
-            </a:r>
-          </a:p>
-          <a:p>
-            <a:pPr lvl="1">
-              <a:lnSpc>
-                <a:spcPct val="90000"/>
-              </a:lnSpc>
-            </a:pPr>
-            <a:r>
-              <a:rPr lang="en-US">
-                <a:latin typeface="Courier New" charset="0"/>
-                <a:cs typeface="Courier New" charset="0"/>
-              </a:rPr>
-              <a:t>size_t strlen(const char *s1);</a:t>
-            </a:r>
-          </a:p>
-          <a:p>
-            <a:pPr lvl="1">
-              <a:lnSpc>
-                <a:spcPct val="90000"/>
-              </a:lnSpc>
-            </a:pPr>
-            <a:r>
-              <a:rPr lang="en-US">
-                <a:latin typeface="Arial" charset="0"/>
-              </a:rPr>
-              <a:t>Returns # characters before </a:t>
-            </a:r>
-            <a:r>
-              <a:rPr lang="ja-JP" altLang="en-US">
-                <a:latin typeface="Courier New" charset="0"/>
-                <a:cs typeface="Courier New" charset="0"/>
-              </a:rPr>
-              <a:t>‘</a:t>
-            </a:r>
-            <a:r>
-              <a:rPr lang="en-US" altLang="ja-JP">
-                <a:latin typeface="Courier New" charset="0"/>
-                <a:cs typeface="Courier New" charset="0"/>
-              </a:rPr>
-              <a:t>\0</a:t>
-            </a:r>
-            <a:r>
-              <a:rPr lang="ja-JP" altLang="en-US">
-                <a:latin typeface="Courier New" charset="0"/>
-                <a:cs typeface="Courier New" charset="0"/>
-              </a:rPr>
-              <a:t>’</a:t>
-            </a:r>
-            <a:endParaRPr lang="en-US" altLang="ja-JP">
-              <a:latin typeface="Courier New" charset="0"/>
-              <a:cs typeface="Courier New" charset="0"/>
-            </a:endParaRPr>
-          </a:p>
-          <a:p>
-            <a:pPr lvl="2">
-              <a:lnSpc>
-                <a:spcPct val="90000"/>
-              </a:lnSpc>
-            </a:pPr>
-            <a:r>
-              <a:rPr lang="en-US">
-                <a:latin typeface="Arial" charset="0"/>
-                <a:cs typeface="Courier New" charset="0"/>
-              </a:rPr>
-              <a:t>Not necessarily size of array</a:t>
-            </a:r>
-          </a:p>
-          <a:p>
-            <a:pPr>
-              <a:lnSpc>
-                <a:spcPct val="90000"/>
-              </a:lnSpc>
-            </a:pPr>
-            <a:r>
-              <a:rPr lang="ja-JP" altLang="en-US">
-                <a:latin typeface="Arial" charset="0"/>
-                <a:cs typeface="Courier New" charset="0"/>
-              </a:rPr>
-              <a:t>“</a:t>
-            </a:r>
-            <a:r>
-              <a:rPr lang="en-US" altLang="ja-JP">
-                <a:latin typeface="Arial" charset="0"/>
-                <a:cs typeface="Courier New" charset="0"/>
-              </a:rPr>
-              <a:t>Add</a:t>
-            </a:r>
-            <a:r>
-              <a:rPr lang="ja-JP" altLang="en-US">
-                <a:latin typeface="Arial" charset="0"/>
-                <a:cs typeface="Courier New" charset="0"/>
-              </a:rPr>
-              <a:t>”</a:t>
-            </a:r>
-            <a:r>
-              <a:rPr lang="en-US" altLang="ja-JP">
-                <a:latin typeface="Arial" charset="0"/>
-                <a:cs typeface="Courier New" charset="0"/>
-              </a:rPr>
-              <a:t> strings together—string concatenation</a:t>
-            </a:r>
-          </a:p>
-          <a:p>
-            <a:pPr lvl="1">
-              <a:lnSpc>
-                <a:spcPct val="90000"/>
-              </a:lnSpc>
-            </a:pPr>
-            <a:r>
-              <a:rPr lang="en-US">
-                <a:latin typeface="Courier New" charset="0"/>
-                <a:cs typeface="Courier New" charset="0"/>
-              </a:rPr>
-              <a:t>char *strcat(char *dest, </a:t>
-            </a:r>
-          </a:p>
-          <a:p>
-            <a:pPr lvl="1">
-              <a:lnSpc>
-                <a:spcPct val="90000"/>
-              </a:lnSpc>
-              <a:buFont typeface="Wingdings" charset="0"/>
-              <a:buNone/>
-            </a:pPr>
-            <a:r>
-              <a:rPr lang="en-US">
-                <a:latin typeface="Courier New" charset="0"/>
-                <a:cs typeface="Courier New" charset="0"/>
-              </a:rPr>
-              <a:t>			   const char *source);</a:t>
-            </a:r>
-          </a:p>
-          <a:p>
-            <a:pPr lvl="1">
-              <a:lnSpc>
-                <a:spcPct val="90000"/>
-              </a:lnSpc>
-            </a:pPr>
-            <a:r>
-              <a:rPr lang="en-US">
-                <a:latin typeface="Courier New" charset="0"/>
-                <a:cs typeface="Courier New" charset="0"/>
-              </a:rPr>
-              <a:t>char *strncat(char *dest, </a:t>
-            </a:r>
-          </a:p>
-          <a:p>
-            <a:pPr lvl="1">
-              <a:lnSpc>
-                <a:spcPct val="90000"/>
-              </a:lnSpc>
-              <a:buFont typeface="Wingdings" charset="0"/>
-              <a:buNone/>
-            </a:pPr>
-            <a:r>
-              <a:rPr lang="en-US">
-                <a:latin typeface="Courier New" charset="0"/>
-                <a:cs typeface="Courier New" charset="0"/>
-              </a:rPr>
-              <a:t>			    const char *source, </a:t>
-            </a:r>
-          </a:p>
-          <a:p>
-            <a:pPr lvl="1">
-              <a:lnSpc>
-                <a:spcPct val="90000"/>
-              </a:lnSpc>
-              <a:buFont typeface="Wingdings" charset="0"/>
-              <a:buNone/>
-            </a:pPr>
-            <a:r>
-              <a:rPr lang="en-US">
-                <a:latin typeface="Courier New" charset="0"/>
-                <a:cs typeface="Courier New" charset="0"/>
-              </a:rPr>
-              <a:t>			    size_t num);</a:t>
-            </a:r>
-          </a:p>
-          <a:p>
-            <a:pPr lvl="1">
-              <a:lnSpc>
-                <a:spcPct val="90000"/>
-              </a:lnSpc>
-            </a:pPr>
-            <a:r>
-              <a:rPr lang="en-US">
-                <a:latin typeface="Arial" charset="0"/>
-                <a:cs typeface="Courier New" charset="0"/>
-              </a:rPr>
-              <a:t>Returns </a:t>
-            </a:r>
-            <a:r>
-              <a:rPr lang="en-US">
-                <a:latin typeface="Courier New" charset="0"/>
-                <a:cs typeface="Courier New" charset="0"/>
-              </a:rPr>
-              <a:t>dest</a:t>
-            </a:r>
-          </a:p>
-        </p:txBody>
-      </p:sp>
-      <p:sp>
-        <p:nvSpPr>
-          <p:cNvPr id="24579" name="Date Placeholder 3"/>
-          <p:cNvSpPr>
-            <a:spLocks noGrp="1"/>
-          </p:cNvSpPr>
-          <p:nvPr>
-            <p:ph type="dt" sz="quarter" idx="10"/>
-          </p:nvPr>
-        </p:nvSpPr>
-        <p:spPr>
-          <a:noFill/>
-          <a:ln/>
-          <a:extLst>
-            <a:ext uri="{909E8E84-426E-40dd-AFC4-6F175D3DCCD1}">
-              <a14:hiddenFill xmlns:a14="http://schemas.microsoft.com/office/drawing/2010/main">
-                <a:solidFill>
-                  <a:srgbClr val="FFFFFF"/>
-                </a:solidFill>
-              </a14:hiddenFill>
-            </a:ext>
-            <a:ext uri="{91240B29-F687-4f45-9708-019B960494DF}">
-              <a14:hiddenLine xmlns:a14="http://schemas.microsoft.com/office/drawing/2010/main" w="9525">
-                <a:solidFill>
-                  <a:srgbClr val="000000"/>
-                </a:solidFill>
-                <a:miter lim="800000"/>
-                <a:headEnd/>
-                <a:tailEnd/>
-              </a14:hiddenLine>
-            </a:ext>
-          </a:extLst>
-        </p:spPr>
-        <p:txBody>
-          <a:bodyPr/>
-          <a:lstStyle>
-            <a:lvl1pPr eaLnBrk="0" hangingPunct="0">
-              <a:defRPr sz="2400">
-                <a:solidFill>
-                  <a:schemeClr val="tx1"/>
-                </a:solidFill>
-                <a:latin typeface="Arial" charset="0"/>
-                <a:ea typeface="ＭＳ Ｐゴシック" charset="0"/>
-                <a:cs typeface="ＭＳ Ｐゴシック" charset="0"/>
-              </a:defRPr>
-            </a:lvl1pPr>
-            <a:lvl2pPr marL="742950" indent="-285750" eaLnBrk="0" hangingPunct="0">
-              <a:defRPr sz="2400">
-                <a:solidFill>
-                  <a:schemeClr val="tx1"/>
-                </a:solidFill>
-                <a:latin typeface="Arial" charset="0"/>
-                <a:ea typeface="ＭＳ Ｐゴシック" charset="0"/>
-              </a:defRPr>
-            </a:lvl2pPr>
-            <a:lvl3pPr marL="1143000" indent="-228600" eaLnBrk="0" hangingPunct="0">
-              <a:defRPr sz="2400">
-                <a:solidFill>
-                  <a:schemeClr val="tx1"/>
-                </a:solidFill>
-                <a:latin typeface="Arial" charset="0"/>
-                <a:ea typeface="ＭＳ Ｐゴシック" charset="0"/>
-              </a:defRPr>
-            </a:lvl3pPr>
-            <a:lvl4pPr marL="1600200" indent="-228600" eaLnBrk="0" hangingPunct="0">
-              <a:defRPr sz="2400">
-                <a:solidFill>
-                  <a:schemeClr val="tx1"/>
-                </a:solidFill>
-                <a:latin typeface="Arial" charset="0"/>
-                <a:ea typeface="ＭＳ Ｐゴシック" charset="0"/>
-              </a:defRPr>
-            </a:lvl4pPr>
-            <a:lvl5pPr marL="2057400" indent="-228600" eaLnBrk="0" hangingPunct="0">
-              <a:defRPr sz="2400">
-                <a:solidFill>
-                  <a:schemeClr val="tx1"/>
-                </a:solidFill>
-                <a:latin typeface="Arial" charset="0"/>
-                <a:ea typeface="ＭＳ Ｐゴシック" charset="0"/>
-              </a:defRPr>
-            </a:lvl5pPr>
-            <a:lvl6pPr marL="2514600" indent="-228600" eaLnBrk="0" fontAlgn="base" hangingPunct="0">
-              <a:spcBef>
-                <a:spcPct val="0"/>
-              </a:spcBef>
-              <a:spcAft>
-                <a:spcPct val="0"/>
-              </a:spcAft>
-              <a:defRPr sz="2400">
-                <a:solidFill>
-                  <a:schemeClr val="tx1"/>
-                </a:solidFill>
-                <a:latin typeface="Arial" charset="0"/>
-                <a:ea typeface="ＭＳ Ｐゴシック" charset="0"/>
-              </a:defRPr>
-            </a:lvl6pPr>
-            <a:lvl7pPr marL="2971800" indent="-228600" eaLnBrk="0" fontAlgn="base" hangingPunct="0">
-              <a:spcBef>
-                <a:spcPct val="0"/>
-              </a:spcBef>
-              <a:spcAft>
-                <a:spcPct val="0"/>
-              </a:spcAft>
-              <a:defRPr sz="2400">
-                <a:solidFill>
-                  <a:schemeClr val="tx1"/>
-                </a:solidFill>
-                <a:latin typeface="Arial" charset="0"/>
-                <a:ea typeface="ＭＳ Ｐゴシック" charset="0"/>
-              </a:defRPr>
-            </a:lvl7pPr>
-            <a:lvl8pPr marL="3429000" indent="-228600" eaLnBrk="0" fontAlgn="base" hangingPunct="0">
-              <a:spcBef>
-                <a:spcPct val="0"/>
-              </a:spcBef>
-              <a:spcAft>
-                <a:spcPct val="0"/>
-              </a:spcAft>
-              <a:defRPr sz="2400">
-                <a:solidFill>
-                  <a:schemeClr val="tx1"/>
-                </a:solidFill>
-                <a:latin typeface="Arial" charset="0"/>
-                <a:ea typeface="ＭＳ Ｐゴシック" charset="0"/>
-              </a:defRPr>
-            </a:lvl8pPr>
-            <a:lvl9pPr marL="3886200" indent="-228600" eaLnBrk="0" fontAlgn="base" hangingPunct="0">
-              <a:spcBef>
-                <a:spcPct val="0"/>
-              </a:spcBef>
-              <a:spcAft>
-                <a:spcPct val="0"/>
-              </a:spcAft>
-              <a:defRPr sz="2400">
-                <a:solidFill>
-                  <a:schemeClr val="tx1"/>
-                </a:solidFill>
-                <a:latin typeface="Arial" charset="0"/>
-                <a:ea typeface="ＭＳ Ｐゴシック" charset="0"/>
-              </a:defRPr>
-            </a:lvl9pPr>
-          </a:lstStyle>
-          <a:p>
-            <a:pPr eaLnBrk="1" hangingPunct="1"/>
-            <a:fld id="{56D60AD6-A8C6-AE4C-82F8-8D00A739A400}" type="datetime1">
-              <a:rPr lang="en-US" sz="1200" smtClean="0">
-                <a:latin typeface="Garamond" charset="0"/>
-                <a:cs typeface="Arial" charset="0"/>
-              </a:rPr>
-              <a:t>10/26/16</a:t>
-            </a:fld>
-            <a:endParaRPr lang="en-US" sz="1200">
-              <a:latin typeface="Garamond" charset="0"/>
-              <a:cs typeface="Arial" charset="0"/>
-            </a:endParaRPr>
-          </a:p>
-        </p:txBody>
-      </p:sp>
-      <p:sp>
-        <p:nvSpPr>
-          <p:cNvPr id="5" name="Footer Placeholder 4"/>
-          <p:cNvSpPr>
-            <a:spLocks noGrp="1"/>
-          </p:cNvSpPr>
-          <p:nvPr>
-            <p:ph type="ftr" sz="quarter" idx="11"/>
-          </p:nvPr>
-        </p:nvSpPr>
-        <p:spPr/>
-        <p:txBody>
-          <a:bodyPr/>
-          <a:lstStyle/>
-          <a:p>
-            <a:pPr>
-              <a:defRPr/>
-            </a:pPr>
-            <a:r>
-              <a:rPr lang="en-US" altLang="en-US" smtClean="0"/>
-              <a:t>ECE Application Programming: Lecture 22</a:t>
-            </a:r>
-            <a:endParaRPr lang="en-US" altLang="en-US"/>
-          </a:p>
-        </p:txBody>
-      </p:sp>
-      <p:sp>
-        <p:nvSpPr>
-          <p:cNvPr id="24581" name="Slide Number Placeholder 5"/>
-          <p:cNvSpPr>
-            <a:spLocks noGrp="1"/>
-          </p:cNvSpPr>
-          <p:nvPr>
-            <p:ph type="sldNum" sz="quarter" idx="12"/>
-          </p:nvPr>
-        </p:nvSpPr>
-        <p:spPr>
-          <a:noFill/>
-          <a:ln/>
-          <a:extLst>
-            <a:ext uri="{909E8E84-426E-40dd-AFC4-6F175D3DCCD1}">
-              <a14:hiddenFill xmlns:a14="http://schemas.microsoft.com/office/drawing/2010/main">
-                <a:solidFill>
-                  <a:srgbClr val="FFFFFF"/>
-                </a:solidFill>
-              </a14:hiddenFill>
-            </a:ext>
-            <a:ext uri="{91240B29-F687-4f45-9708-019B960494DF}">
-              <a14:hiddenLine xmlns:a14="http://schemas.microsoft.com/office/drawing/2010/main" w="9525">
-                <a:solidFill>
-                  <a:srgbClr val="000000"/>
-                </a:solidFill>
-                <a:miter lim="800000"/>
-                <a:headEnd/>
-                <a:tailEnd/>
-              </a14:hiddenLine>
-            </a:ext>
-          </a:extLst>
-        </p:spPr>
-        <p:txBody>
-          <a:bodyPr/>
-          <a:lstStyle>
-            <a:lvl1pPr eaLnBrk="0" hangingPunct="0">
-              <a:defRPr sz="2400">
-                <a:solidFill>
-                  <a:schemeClr val="tx1"/>
-                </a:solidFill>
-                <a:latin typeface="Arial" charset="0"/>
-                <a:ea typeface="ＭＳ Ｐゴシック" charset="0"/>
-                <a:cs typeface="ＭＳ Ｐゴシック" charset="0"/>
-              </a:defRPr>
-            </a:lvl1pPr>
-            <a:lvl2pPr marL="742950" indent="-285750" eaLnBrk="0" hangingPunct="0">
-              <a:defRPr sz="2400">
-                <a:solidFill>
-                  <a:schemeClr val="tx1"/>
-                </a:solidFill>
-                <a:latin typeface="Arial" charset="0"/>
-                <a:ea typeface="ＭＳ Ｐゴシック" charset="0"/>
-              </a:defRPr>
-            </a:lvl2pPr>
-            <a:lvl3pPr marL="1143000" indent="-228600" eaLnBrk="0" hangingPunct="0">
-              <a:defRPr sz="2400">
-                <a:solidFill>
-                  <a:schemeClr val="tx1"/>
-                </a:solidFill>
-                <a:latin typeface="Arial" charset="0"/>
-                <a:ea typeface="ＭＳ Ｐゴシック" charset="0"/>
-              </a:defRPr>
-            </a:lvl3pPr>
-            <a:lvl4pPr marL="1600200" indent="-228600" eaLnBrk="0" hangingPunct="0">
-              <a:defRPr sz="2400">
-                <a:solidFill>
-                  <a:schemeClr val="tx1"/>
-                </a:solidFill>
-                <a:latin typeface="Arial" charset="0"/>
-                <a:ea typeface="ＭＳ Ｐゴシック" charset="0"/>
-              </a:defRPr>
-            </a:lvl4pPr>
-            <a:lvl5pPr marL="2057400" indent="-228600" eaLnBrk="0" hangingPunct="0">
-              <a:defRPr sz="2400">
-                <a:solidFill>
-                  <a:schemeClr val="tx1"/>
-                </a:solidFill>
-                <a:latin typeface="Arial" charset="0"/>
-                <a:ea typeface="ＭＳ Ｐゴシック" charset="0"/>
-              </a:defRPr>
-            </a:lvl5pPr>
-            <a:lvl6pPr marL="2514600" indent="-228600" eaLnBrk="0" fontAlgn="base" hangingPunct="0">
-              <a:spcBef>
-                <a:spcPct val="0"/>
-              </a:spcBef>
-              <a:spcAft>
-                <a:spcPct val="0"/>
-              </a:spcAft>
-              <a:defRPr sz="2400">
-                <a:solidFill>
-                  <a:schemeClr val="tx1"/>
-                </a:solidFill>
-                <a:latin typeface="Arial" charset="0"/>
-                <a:ea typeface="ＭＳ Ｐゴシック" charset="0"/>
-              </a:defRPr>
-            </a:lvl6pPr>
-            <a:lvl7pPr marL="2971800" indent="-228600" eaLnBrk="0" fontAlgn="base" hangingPunct="0">
-              <a:spcBef>
-                <a:spcPct val="0"/>
-              </a:spcBef>
-              <a:spcAft>
-                <a:spcPct val="0"/>
-              </a:spcAft>
-              <a:defRPr sz="2400">
-                <a:solidFill>
-                  <a:schemeClr val="tx1"/>
-                </a:solidFill>
-                <a:latin typeface="Arial" charset="0"/>
-                <a:ea typeface="ＭＳ Ｐゴシック" charset="0"/>
-              </a:defRPr>
-            </a:lvl7pPr>
-            <a:lvl8pPr marL="3429000" indent="-228600" eaLnBrk="0" fontAlgn="base" hangingPunct="0">
-              <a:spcBef>
-                <a:spcPct val="0"/>
-              </a:spcBef>
-              <a:spcAft>
-                <a:spcPct val="0"/>
-              </a:spcAft>
-              <a:defRPr sz="2400">
-                <a:solidFill>
-                  <a:schemeClr val="tx1"/>
-                </a:solidFill>
-                <a:latin typeface="Arial" charset="0"/>
-                <a:ea typeface="ＭＳ Ｐゴシック" charset="0"/>
-              </a:defRPr>
-            </a:lvl8pPr>
-            <a:lvl9pPr marL="3886200" indent="-228600" eaLnBrk="0" fontAlgn="base" hangingPunct="0">
-              <a:spcBef>
-                <a:spcPct val="0"/>
-              </a:spcBef>
-              <a:spcAft>
-                <a:spcPct val="0"/>
-              </a:spcAft>
-              <a:defRPr sz="2400">
-                <a:solidFill>
-                  <a:schemeClr val="tx1"/>
-                </a:solidFill>
-                <a:latin typeface="Arial" charset="0"/>
-                <a:ea typeface="ＭＳ Ｐゴシック" charset="0"/>
-              </a:defRPr>
-            </a:lvl9pPr>
-          </a:lstStyle>
-          <a:p>
-            <a:pPr eaLnBrk="1" hangingPunct="1"/>
-            <a:fld id="{A1A4E562-9E91-1D48-8FB4-F5CF7960CF23}" type="slidenum">
-              <a:rPr lang="en-US" sz="1200">
-                <a:latin typeface="Garamond" charset="0"/>
-                <a:cs typeface="Arial" charset="0"/>
-              </a:rPr>
-              <a:pPr eaLnBrk="1" hangingPunct="1"/>
-              <a:t>12</a:t>
-            </a:fld>
-            <a:endParaRPr lang="en-US" sz="1200">
-              <a:latin typeface="Garamond" charset="0"/>
-              <a:cs typeface="Arial" charset="0"/>
-            </a:endParaRPr>
-          </a:p>
-        </p:txBody>
-      </p:sp>
-    </p:spTree>
-    <p:extLst>
-      <p:ext uri="{BB962C8B-B14F-4D97-AF65-F5344CB8AC3E}">
-        <p14:creationId xmlns:p14="http://schemas.microsoft.com/office/powerpoint/2010/main" val="103548061"/>
-      </p:ext>
-    </p:extLst>
-  </p:cSld>
-  <p:clrMapOvr>
-    <a:masterClrMapping/>
-  </p:clrMapOvr>
-  <p:timing>
-    <p:tnLst>
-      <p:par>
-        <p:cTn xmlns:p14="http://schemas.microsoft.com/office/powerpoint/2010/main" id="1" dur="indefinite" restart="never" nodeType="tmRoot"/>
-      </p:par>
-    </p:tnLst>
-  </p:timing>
-</p:sld>
-</file>
-
-<file path=ppt/slides/slide13.xml><?xml version="1.0" encoding="utf-8"?>
-<p:sld xmlns:a="http://schemas.openxmlformats.org/drawingml/2006/main" xmlns:r="http://schemas.openxmlformats.org/officeDocument/2006/relationships" xmlns:p="http://schemas.openxmlformats.org/presentationml/2006/main">
-  <p:cSld>
-    <p:spTree>
-      <p:nvGrpSpPr>
-        <p:cNvPr id="1" name=""/>
-        <p:cNvGrpSpPr/>
-        <p:nvPr/>
-      </p:nvGrpSpPr>
-      <p:grpSpPr>
-        <a:xfrm>
-          <a:off x="0" y="0"/>
-          <a:ext cx="0" cy="0"/>
-          <a:chOff x="0" y="0"/>
-          <a:chExt cx="0" cy="0"/>
-        </a:xfrm>
-      </p:grpSpPr>
-      <p:sp>
-        <p:nvSpPr>
-          <p:cNvPr id="40961" name="Title 1"/>
-          <p:cNvSpPr>
-            <a:spLocks noGrp="1"/>
-          </p:cNvSpPr>
-          <p:nvPr>
-            <p:ph type="title"/>
-          </p:nvPr>
-        </p:nvSpPr>
-        <p:spPr/>
-        <p:txBody>
-          <a:bodyPr/>
-          <a:lstStyle/>
-          <a:p>
-            <a:r>
-              <a:rPr lang="en-US">
-                <a:latin typeface="Garamond" charset="0"/>
-              </a:rPr>
-              <a:t>Final notes</a:t>
-            </a:r>
-          </a:p>
-        </p:txBody>
-      </p:sp>
-      <p:sp>
-        <p:nvSpPr>
-          <p:cNvPr id="40962" name="Content Placeholder 2"/>
-          <p:cNvSpPr>
-            <a:spLocks noGrp="1"/>
-          </p:cNvSpPr>
-          <p:nvPr>
-            <p:ph idx="1"/>
-          </p:nvPr>
-        </p:nvSpPr>
-        <p:spPr/>
-        <p:txBody>
-          <a:bodyPr/>
-          <a:lstStyle/>
-          <a:p>
-            <a:r>
-              <a:rPr lang="en-US" dirty="0">
-                <a:latin typeface="Arial" charset="0"/>
-              </a:rPr>
-              <a:t>Next time</a:t>
-            </a:r>
-          </a:p>
-          <a:p>
-            <a:pPr lvl="1"/>
-            <a:r>
-              <a:rPr lang="en-US" dirty="0" smtClean="0">
-                <a:latin typeface="Arial" charset="0"/>
-              </a:rPr>
-              <a:t>More on strings</a:t>
-            </a:r>
-            <a:endParaRPr lang="en-US" dirty="0">
-              <a:latin typeface="Arial" charset="0"/>
-            </a:endParaRPr>
-          </a:p>
-          <a:p>
-            <a:r>
-              <a:rPr lang="en-US" dirty="0">
-                <a:latin typeface="Arial" charset="0"/>
-              </a:rPr>
-              <a:t>Reminders:</a:t>
-            </a:r>
-          </a:p>
-          <a:p>
-            <a:pPr lvl="1"/>
-            <a:r>
-              <a:rPr lang="en-US" dirty="0">
-                <a:latin typeface="Arial" charset="0"/>
-              </a:rPr>
-              <a:t>Program 6 due </a:t>
-            </a:r>
-            <a:r>
-              <a:rPr lang="en-US" b="1" dirty="0">
-                <a:solidFill>
-                  <a:srgbClr val="FF0000"/>
-                </a:solidFill>
-                <a:latin typeface="Arial" charset="0"/>
-              </a:rPr>
-              <a:t>11</a:t>
-            </a:r>
-            <a:r>
-              <a:rPr lang="en-US" b="1" dirty="0" smtClean="0">
-                <a:solidFill>
-                  <a:srgbClr val="FF0000"/>
-                </a:solidFill>
-                <a:latin typeface="Arial" charset="0"/>
-              </a:rPr>
-              <a:t>/7</a:t>
-            </a:r>
-            <a:endParaRPr lang="en-US" b="1" dirty="0">
-              <a:solidFill>
-                <a:srgbClr val="FF0000"/>
-              </a:solidFill>
-              <a:latin typeface="Arial" charset="0"/>
-            </a:endParaRPr>
-          </a:p>
-          <a:p>
-            <a:pPr lvl="1"/>
-            <a:r>
-              <a:rPr lang="en-US" dirty="0" smtClean="0">
-                <a:latin typeface="Arial" charset="0"/>
-              </a:rPr>
-              <a:t>Exam </a:t>
-            </a:r>
-            <a:r>
-              <a:rPr lang="en-US" dirty="0">
-                <a:latin typeface="Arial" charset="0"/>
-              </a:rPr>
-              <a:t>2 in class 11/4</a:t>
-            </a:r>
-          </a:p>
-          <a:p>
-            <a:pPr lvl="2"/>
-            <a:r>
-              <a:rPr lang="en-US" dirty="0">
-                <a:latin typeface="Arial" charset="0"/>
-              </a:rPr>
-              <a:t>Will be allowed one double-sided 8.5” x 11” note sheet</a:t>
-            </a:r>
-          </a:p>
-          <a:p>
-            <a:pPr lvl="2"/>
-            <a:r>
-              <a:rPr lang="en-US" dirty="0">
-                <a:latin typeface="Arial" charset="0"/>
-              </a:rPr>
-              <a:t>Covers material starting after Exam 1, through Monday’s lecture (lectures 12-16; 18-</a:t>
-            </a:r>
-            <a:r>
-              <a:rPr lang="en-US" dirty="0" smtClean="0">
-                <a:latin typeface="Arial" charset="0"/>
-              </a:rPr>
-              <a:t>23)</a:t>
-            </a:r>
-            <a:endParaRPr lang="en-US" dirty="0">
-              <a:latin typeface="Arial" charset="0"/>
-            </a:endParaRPr>
-          </a:p>
-        </p:txBody>
-      </p:sp>
-      <p:sp>
-        <p:nvSpPr>
-          <p:cNvPr id="40963" name="Date Placeholder 3"/>
-          <p:cNvSpPr>
-            <a:spLocks noGrp="1"/>
-          </p:cNvSpPr>
-          <p:nvPr>
-            <p:ph type="dt" sz="quarter" idx="10"/>
-          </p:nvPr>
-        </p:nvSpPr>
-        <p:spPr>
-          <a:noFill/>
-          <a:ln/>
-          <a:extLst>
-            <a:ext uri="{909E8E84-426E-40dd-AFC4-6F175D3DCCD1}">
-              <a14:hiddenFill xmlns:a14="http://schemas.microsoft.com/office/drawing/2010/main">
-                <a:solidFill>
-                  <a:srgbClr val="FFFFFF"/>
-                </a:solidFill>
-              </a14:hiddenFill>
-            </a:ext>
-            <a:ext uri="{91240B29-F687-4f45-9708-019B960494DF}">
-              <a14:hiddenLine xmlns:a14="http://schemas.microsoft.com/office/drawing/2010/main" w="9525">
-                <a:solidFill>
-                  <a:srgbClr val="000000"/>
-                </a:solidFill>
-                <a:miter lim="800000"/>
-                <a:headEnd/>
-                <a:tailEnd/>
-              </a14:hiddenLine>
-            </a:ext>
-          </a:extLst>
-        </p:spPr>
-        <p:txBody>
-          <a:bodyPr/>
-          <a:lstStyle>
-            <a:lvl1pPr eaLnBrk="0" hangingPunct="0">
-              <a:defRPr sz="2400">
-                <a:solidFill>
-                  <a:schemeClr val="tx1"/>
-                </a:solidFill>
-                <a:latin typeface="Arial" charset="0"/>
-                <a:ea typeface="ＭＳ Ｐゴシック" charset="0"/>
-                <a:cs typeface="ＭＳ Ｐゴシック" charset="0"/>
-              </a:defRPr>
-            </a:lvl1pPr>
-            <a:lvl2pPr marL="742950" indent="-285750" eaLnBrk="0" hangingPunct="0">
-              <a:defRPr sz="2400">
-                <a:solidFill>
-                  <a:schemeClr val="tx1"/>
-                </a:solidFill>
-                <a:latin typeface="Arial" charset="0"/>
-                <a:ea typeface="ＭＳ Ｐゴシック" charset="0"/>
-              </a:defRPr>
-            </a:lvl2pPr>
-            <a:lvl3pPr marL="1143000" indent="-228600" eaLnBrk="0" hangingPunct="0">
-              <a:defRPr sz="2400">
-                <a:solidFill>
-                  <a:schemeClr val="tx1"/>
-                </a:solidFill>
-                <a:latin typeface="Arial" charset="0"/>
-                <a:ea typeface="ＭＳ Ｐゴシック" charset="0"/>
-              </a:defRPr>
-            </a:lvl3pPr>
-            <a:lvl4pPr marL="1600200" indent="-228600" eaLnBrk="0" hangingPunct="0">
-              <a:defRPr sz="2400">
-                <a:solidFill>
-                  <a:schemeClr val="tx1"/>
-                </a:solidFill>
-                <a:latin typeface="Arial" charset="0"/>
-                <a:ea typeface="ＭＳ Ｐゴシック" charset="0"/>
-              </a:defRPr>
-            </a:lvl4pPr>
-            <a:lvl5pPr marL="2057400" indent="-228600" eaLnBrk="0" hangingPunct="0">
-              <a:defRPr sz="2400">
-                <a:solidFill>
-                  <a:schemeClr val="tx1"/>
-                </a:solidFill>
-                <a:latin typeface="Arial" charset="0"/>
-                <a:ea typeface="ＭＳ Ｐゴシック" charset="0"/>
-              </a:defRPr>
-            </a:lvl5pPr>
-            <a:lvl6pPr marL="2514600" indent="-228600" eaLnBrk="0" fontAlgn="base" hangingPunct="0">
-              <a:spcBef>
-                <a:spcPct val="0"/>
-              </a:spcBef>
-              <a:spcAft>
-                <a:spcPct val="0"/>
-              </a:spcAft>
-              <a:defRPr sz="2400">
-                <a:solidFill>
-                  <a:schemeClr val="tx1"/>
-                </a:solidFill>
-                <a:latin typeface="Arial" charset="0"/>
-                <a:ea typeface="ＭＳ Ｐゴシック" charset="0"/>
-              </a:defRPr>
-            </a:lvl6pPr>
-            <a:lvl7pPr marL="2971800" indent="-228600" eaLnBrk="0" fontAlgn="base" hangingPunct="0">
-              <a:spcBef>
-                <a:spcPct val="0"/>
-              </a:spcBef>
-              <a:spcAft>
-                <a:spcPct val="0"/>
-              </a:spcAft>
-              <a:defRPr sz="2400">
-                <a:solidFill>
-                  <a:schemeClr val="tx1"/>
-                </a:solidFill>
-                <a:latin typeface="Arial" charset="0"/>
-                <a:ea typeface="ＭＳ Ｐゴシック" charset="0"/>
-              </a:defRPr>
-            </a:lvl7pPr>
-            <a:lvl8pPr marL="3429000" indent="-228600" eaLnBrk="0" fontAlgn="base" hangingPunct="0">
-              <a:spcBef>
-                <a:spcPct val="0"/>
-              </a:spcBef>
-              <a:spcAft>
-                <a:spcPct val="0"/>
-              </a:spcAft>
-              <a:defRPr sz="2400">
-                <a:solidFill>
-                  <a:schemeClr val="tx1"/>
-                </a:solidFill>
-                <a:latin typeface="Arial" charset="0"/>
-                <a:ea typeface="ＭＳ Ｐゴシック" charset="0"/>
-              </a:defRPr>
-            </a:lvl8pPr>
-            <a:lvl9pPr marL="3886200" indent="-228600" eaLnBrk="0" fontAlgn="base" hangingPunct="0">
-              <a:spcBef>
-                <a:spcPct val="0"/>
-              </a:spcBef>
-              <a:spcAft>
-                <a:spcPct val="0"/>
-              </a:spcAft>
-              <a:defRPr sz="2400">
-                <a:solidFill>
-                  <a:schemeClr val="tx1"/>
-                </a:solidFill>
-                <a:latin typeface="Arial" charset="0"/>
-                <a:ea typeface="ＭＳ Ｐゴシック" charset="0"/>
-              </a:defRPr>
-            </a:lvl9pPr>
-          </a:lstStyle>
-          <a:p>
-            <a:pPr eaLnBrk="1" hangingPunct="1"/>
-            <a:fld id="{BEA43597-B145-3C40-9E57-3A3F8465DE48}" type="datetime1">
-              <a:rPr lang="en-US" sz="1200" smtClean="0">
-                <a:latin typeface="Garamond" charset="0"/>
-              </a:rPr>
-              <a:t>10/26/16</a:t>
-            </a:fld>
-            <a:endParaRPr lang="en-US" sz="1200">
-              <a:latin typeface="Garamond" charset="0"/>
-            </a:endParaRPr>
-          </a:p>
-        </p:txBody>
-      </p:sp>
-      <p:sp>
-        <p:nvSpPr>
-          <p:cNvPr id="5" name="Footer Placeholder 4"/>
-          <p:cNvSpPr>
-            <a:spLocks noGrp="1"/>
-          </p:cNvSpPr>
-          <p:nvPr>
-            <p:ph type="ftr" sz="quarter" idx="11"/>
-          </p:nvPr>
-        </p:nvSpPr>
-        <p:spPr/>
-        <p:txBody>
-          <a:bodyPr/>
-          <a:lstStyle/>
-          <a:p>
-            <a:pPr>
-              <a:defRPr/>
-            </a:pPr>
-            <a:r>
-              <a:rPr lang="en-US" altLang="en-US" smtClean="0"/>
-              <a:t>ECE Application Programming: Lecture 22</a:t>
-            </a:r>
-            <a:endParaRPr lang="en-US" altLang="en-US"/>
-          </a:p>
-        </p:txBody>
-      </p:sp>
-      <p:sp>
-        <p:nvSpPr>
-          <p:cNvPr id="40965" name="Slide Number Placeholder 5"/>
-          <p:cNvSpPr>
-            <a:spLocks noGrp="1"/>
-          </p:cNvSpPr>
-          <p:nvPr>
-            <p:ph type="sldNum" sz="quarter" idx="12"/>
-          </p:nvPr>
-        </p:nvSpPr>
-        <p:spPr>
-          <a:noFill/>
-          <a:ln/>
-          <a:extLst>
-            <a:ext uri="{909E8E84-426E-40dd-AFC4-6F175D3DCCD1}">
-              <a14:hiddenFill xmlns:a14="http://schemas.microsoft.com/office/drawing/2010/main">
-                <a:solidFill>
-                  <a:srgbClr val="FFFFFF"/>
-                </a:solidFill>
-              </a14:hiddenFill>
-            </a:ext>
-            <a:ext uri="{91240B29-F687-4f45-9708-019B960494DF}">
-              <a14:hiddenLine xmlns:a14="http://schemas.microsoft.com/office/drawing/2010/main" w="9525">
-                <a:solidFill>
-                  <a:srgbClr val="000000"/>
-                </a:solidFill>
-                <a:miter lim="800000"/>
-                <a:headEnd/>
-                <a:tailEnd/>
-              </a14:hiddenLine>
-            </a:ext>
-          </a:extLst>
-        </p:spPr>
-        <p:txBody>
-          <a:bodyPr/>
-          <a:lstStyle>
-            <a:lvl1pPr eaLnBrk="0" hangingPunct="0">
-              <a:defRPr sz="2400">
-                <a:solidFill>
-                  <a:schemeClr val="tx1"/>
-                </a:solidFill>
-                <a:latin typeface="Arial" charset="0"/>
-                <a:ea typeface="ＭＳ Ｐゴシック" charset="0"/>
-                <a:cs typeface="ＭＳ Ｐゴシック" charset="0"/>
-              </a:defRPr>
-            </a:lvl1pPr>
-            <a:lvl2pPr marL="742950" indent="-285750" eaLnBrk="0" hangingPunct="0">
-              <a:defRPr sz="2400">
-                <a:solidFill>
-                  <a:schemeClr val="tx1"/>
-                </a:solidFill>
-                <a:latin typeface="Arial" charset="0"/>
-                <a:ea typeface="ＭＳ Ｐゴシック" charset="0"/>
-              </a:defRPr>
-            </a:lvl2pPr>
-            <a:lvl3pPr marL="1143000" indent="-228600" eaLnBrk="0" hangingPunct="0">
-              <a:defRPr sz="2400">
-                <a:solidFill>
-                  <a:schemeClr val="tx1"/>
-                </a:solidFill>
-                <a:latin typeface="Arial" charset="0"/>
-                <a:ea typeface="ＭＳ Ｐゴシック" charset="0"/>
-              </a:defRPr>
-            </a:lvl3pPr>
-            <a:lvl4pPr marL="1600200" indent="-228600" eaLnBrk="0" hangingPunct="0">
-              <a:defRPr sz="2400">
-                <a:solidFill>
-                  <a:schemeClr val="tx1"/>
-                </a:solidFill>
-                <a:latin typeface="Arial" charset="0"/>
-                <a:ea typeface="ＭＳ Ｐゴシック" charset="0"/>
-              </a:defRPr>
-            </a:lvl4pPr>
-            <a:lvl5pPr marL="2057400" indent="-228600" eaLnBrk="0" hangingPunct="0">
-              <a:defRPr sz="2400">
-                <a:solidFill>
-                  <a:schemeClr val="tx1"/>
-                </a:solidFill>
-                <a:latin typeface="Arial" charset="0"/>
-                <a:ea typeface="ＭＳ Ｐゴシック" charset="0"/>
-              </a:defRPr>
-            </a:lvl5pPr>
-            <a:lvl6pPr marL="2514600" indent="-228600" eaLnBrk="0" fontAlgn="base" hangingPunct="0">
-              <a:spcBef>
-                <a:spcPct val="0"/>
-              </a:spcBef>
-              <a:spcAft>
-                <a:spcPct val="0"/>
-              </a:spcAft>
-              <a:defRPr sz="2400">
-                <a:solidFill>
-                  <a:schemeClr val="tx1"/>
-                </a:solidFill>
-                <a:latin typeface="Arial" charset="0"/>
-                <a:ea typeface="ＭＳ Ｐゴシック" charset="0"/>
-              </a:defRPr>
-            </a:lvl6pPr>
-            <a:lvl7pPr marL="2971800" indent="-228600" eaLnBrk="0" fontAlgn="base" hangingPunct="0">
-              <a:spcBef>
-                <a:spcPct val="0"/>
-              </a:spcBef>
-              <a:spcAft>
-                <a:spcPct val="0"/>
-              </a:spcAft>
-              <a:defRPr sz="2400">
-                <a:solidFill>
-                  <a:schemeClr val="tx1"/>
-                </a:solidFill>
-                <a:latin typeface="Arial" charset="0"/>
-                <a:ea typeface="ＭＳ Ｐゴシック" charset="0"/>
-              </a:defRPr>
-            </a:lvl7pPr>
-            <a:lvl8pPr marL="3429000" indent="-228600" eaLnBrk="0" fontAlgn="base" hangingPunct="0">
-              <a:spcBef>
-                <a:spcPct val="0"/>
-              </a:spcBef>
-              <a:spcAft>
-                <a:spcPct val="0"/>
-              </a:spcAft>
-              <a:defRPr sz="2400">
-                <a:solidFill>
-                  <a:schemeClr val="tx1"/>
-                </a:solidFill>
-                <a:latin typeface="Arial" charset="0"/>
-                <a:ea typeface="ＭＳ Ｐゴシック" charset="0"/>
-              </a:defRPr>
-            </a:lvl8pPr>
-            <a:lvl9pPr marL="3886200" indent="-228600" eaLnBrk="0" fontAlgn="base" hangingPunct="0">
-              <a:spcBef>
-                <a:spcPct val="0"/>
-              </a:spcBef>
-              <a:spcAft>
-                <a:spcPct val="0"/>
-              </a:spcAft>
-              <a:defRPr sz="2400">
-                <a:solidFill>
-                  <a:schemeClr val="tx1"/>
-                </a:solidFill>
-                <a:latin typeface="Arial" charset="0"/>
-                <a:ea typeface="ＭＳ Ｐゴシック" charset="0"/>
-              </a:defRPr>
-            </a:lvl9pPr>
-          </a:lstStyle>
-          <a:p>
-            <a:pPr eaLnBrk="1" hangingPunct="1"/>
-            <a:fld id="{995840FA-E6F5-0343-A066-8FDDE6435D57}" type="slidenum">
-              <a:rPr lang="en-US" sz="1200">
-                <a:latin typeface="Garamond" charset="0"/>
-              </a:rPr>
-              <a:pPr eaLnBrk="1" hangingPunct="1"/>
-              <a:t>13</a:t>
-            </a:fld>
-            <a:endParaRPr lang="en-US" sz="1200">
-              <a:latin typeface="Garamond" charset="0"/>
             </a:endParaRPr>
           </a:p>
         </p:txBody>
@@ -8281,7 +5951,7 @@
               <a:rPr lang="en-US" sz="1200" smtClean="0">
                 <a:latin typeface="Garamond" charset="0"/>
               </a:rPr>
-              <a:t>10/26/16</a:t>
+              <a:t>10/30/16</a:t>
             </a:fld>
             <a:endParaRPr lang="en-US" sz="1200">
               <a:latin typeface="Garamond" charset="0"/>
@@ -8698,14 +6368,7 @@
                 <a:latin typeface="Arial" charset="0"/>
                 <a:cs typeface="Courier New" charset="0"/>
               </a:rPr>
-              <a:t>For example, </a:t>
-            </a:r>
-            <a:r>
-              <a:rPr lang="en-US" dirty="0" smtClean="0">
-                <a:latin typeface="Arial" charset="0"/>
-                <a:cs typeface="Courier New" charset="0"/>
-              </a:rPr>
-              <a:t>given </a:t>
+              <a:t>For example, given </a:t>
             </a:r>
             <a:r>
               <a:rPr lang="en-US" dirty="0" err="1" smtClean="0">
@@ -8945,7 +6608,7 @@
               <a:rPr lang="en-US" sz="1200" smtClean="0">
                 <a:latin typeface="Garamond" charset="0"/>
               </a:rPr>
-              <a:t>10/26/16</a:t>
+              <a:t>10/30/16</a:t>
             </a:fld>
             <a:endParaRPr lang="en-US" sz="1200">
               <a:latin typeface="Garamond" charset="0"/>
@@ -9572,7 +7235,7 @@
               <a:rPr lang="en-US" sz="1200" smtClean="0">
                 <a:latin typeface="Garamond" charset="0"/>
               </a:rPr>
-              <a:t>10/26/16</a:t>
+              <a:t>10/30/16</a:t>
             </a:fld>
             <a:endParaRPr lang="en-US" sz="1200">
               <a:latin typeface="Garamond" charset="0"/>
@@ -10120,7 +7783,7 @@
               <a:rPr lang="en-US" sz="1200" smtClean="0">
                 <a:latin typeface="Garamond" charset="0"/>
               </a:rPr>
-              <a:t>10/26/16</a:t>
+              <a:t>10/30/16</a:t>
             </a:fld>
             <a:endParaRPr lang="en-US" sz="1200">
               <a:latin typeface="Garamond" charset="0"/>
@@ -10867,7 +8530,7 @@
               <a:rPr lang="en-US" sz="1200" smtClean="0">
                 <a:latin typeface="Garamond" charset="0"/>
               </a:rPr>
-              <a:t>10/26/16</a:t>
+              <a:t>10/30/16</a:t>
             </a:fld>
             <a:endParaRPr lang="en-US" sz="1200">
               <a:latin typeface="Garamond" charset="0"/>
@@ -11781,7 +9444,7 @@
               <a:rPr lang="en-US" sz="1200" smtClean="0">
                 <a:latin typeface="Garamond" charset="0"/>
               </a:rPr>
-              <a:t>10/26/16</a:t>
+              <a:t>10/30/16</a:t>
             </a:fld>
             <a:endParaRPr lang="en-US" sz="1200">
               <a:latin typeface="Garamond" charset="0"/>
@@ -12012,7 +9675,7 @@
       </p:grpSpPr>
       <p:sp>
         <p:nvSpPr>
-          <p:cNvPr id="20481" name="Title 1"/>
+          <p:cNvPr id="40961" name="Title 1"/>
           <p:cNvSpPr>
             <a:spLocks noGrp="1"/>
           </p:cNvSpPr>
@@ -12029,14 +9692,14 @@
               <a:rPr lang="en-US">
                 <a:latin typeface="Garamond" charset="0"/>
               </a:rPr>
-              <a:t>Strings in C</a:t>
-            </a:r>
-          </a:p>
-        </p:txBody>
-      </p:sp>
-      <p:sp>
-        <p:nvSpPr>
-          <p:cNvPr id="20482" name="Content Placeholder 2"/>
+              <a:t>Final notes</a:t>
+            </a:r>
+          </a:p>
+        </p:txBody>
+      </p:sp>
+      <p:sp>
+        <p:nvSpPr>
+          <p:cNvPr id="40962" name="Content Placeholder 2"/>
           <p:cNvSpPr>
             <a:spLocks noGrp="1"/>
           </p:cNvSpPr>
@@ -12044,733 +9707,124 @@
             <p:ph idx="1"/>
           </p:nvPr>
         </p:nvSpPr>
-        <p:spPr>
-          <a:xfrm>
-            <a:off x="457200" y="1066800"/>
-            <a:ext cx="8229600" cy="5064125"/>
-          </a:xfrm>
-        </p:spPr>
+        <p:spPr/>
         <p:txBody>
           <a:bodyPr/>
           <a:lstStyle/>
           <a:p>
-            <a:pPr>
-              <a:lnSpc>
-                <a:spcPct val="80000"/>
-              </a:lnSpc>
-            </a:pPr>
-            <a:r>
-              <a:rPr lang="en-US" sz="2300">
-                <a:latin typeface="Arial" charset="0"/>
-              </a:rPr>
-              <a:t>Strings in C: null-terminated arrays of characters</a:t>
-            </a:r>
-          </a:p>
-          <a:p>
-            <a:pPr lvl="1">
-              <a:lnSpc>
-                <a:spcPct val="80000"/>
-              </a:lnSpc>
-            </a:pPr>
-            <a:r>
-              <a:rPr lang="ja-JP" altLang="en-US" sz="2000">
-                <a:latin typeface="Courier New" charset="0"/>
-                <a:cs typeface="Courier New" charset="0"/>
-              </a:rPr>
-              <a:t>“</a:t>
-            </a:r>
-            <a:r>
-              <a:rPr lang="en-US" altLang="ja-JP" sz="2000">
-                <a:latin typeface="Courier New" charset="0"/>
-                <a:cs typeface="Courier New" charset="0"/>
-              </a:rPr>
-              <a:t>Hello</a:t>
-            </a:r>
-            <a:r>
-              <a:rPr lang="ja-JP" altLang="en-US" sz="2000">
-                <a:latin typeface="Courier New" charset="0"/>
-                <a:cs typeface="Courier New" charset="0"/>
-              </a:rPr>
-              <a:t>”</a:t>
-            </a:r>
-            <a:r>
-              <a:rPr lang="en-US" altLang="ja-JP" sz="2000">
-                <a:latin typeface="Courier New" charset="0"/>
-                <a:cs typeface="Courier New" charset="0"/>
-                <a:sym typeface="Wingdings" charset="0"/>
-              </a:rPr>
-              <a:t>{</a:t>
-            </a:r>
-            <a:r>
-              <a:rPr lang="ja-JP" altLang="en-US" sz="2000">
-                <a:latin typeface="Courier New" charset="0"/>
-                <a:cs typeface="Courier New" charset="0"/>
-                <a:sym typeface="Wingdings" charset="0"/>
-              </a:rPr>
-              <a:t>‘</a:t>
-            </a:r>
-            <a:r>
-              <a:rPr lang="en-US" altLang="ja-JP" sz="2000">
-                <a:latin typeface="Courier New" charset="0"/>
-                <a:cs typeface="Courier New" charset="0"/>
-                <a:sym typeface="Wingdings" charset="0"/>
-              </a:rPr>
-              <a:t>H</a:t>
-            </a:r>
-            <a:r>
-              <a:rPr lang="ja-JP" altLang="en-US" sz="2000">
-                <a:latin typeface="Courier New" charset="0"/>
-                <a:cs typeface="Courier New" charset="0"/>
-                <a:sym typeface="Wingdings" charset="0"/>
-              </a:rPr>
-              <a:t>’</a:t>
-            </a:r>
-            <a:r>
-              <a:rPr lang="en-US" altLang="ja-JP" sz="2000">
-                <a:latin typeface="Courier New" charset="0"/>
-                <a:cs typeface="Courier New" charset="0"/>
-                <a:sym typeface="Wingdings" charset="0"/>
-              </a:rPr>
-              <a:t>, </a:t>
-            </a:r>
-            <a:r>
-              <a:rPr lang="ja-JP" altLang="en-US" sz="2000">
-                <a:latin typeface="Courier New" charset="0"/>
-                <a:cs typeface="Courier New" charset="0"/>
-                <a:sym typeface="Wingdings" charset="0"/>
-              </a:rPr>
-              <a:t>‘</a:t>
-            </a:r>
-            <a:r>
-              <a:rPr lang="en-US" altLang="ja-JP" sz="2000">
-                <a:latin typeface="Courier New" charset="0"/>
-                <a:cs typeface="Courier New" charset="0"/>
-                <a:sym typeface="Wingdings" charset="0"/>
-              </a:rPr>
-              <a:t>e</a:t>
-            </a:r>
-            <a:r>
-              <a:rPr lang="ja-JP" altLang="en-US" sz="2000">
-                <a:latin typeface="Courier New" charset="0"/>
-                <a:cs typeface="Courier New" charset="0"/>
-                <a:sym typeface="Wingdings" charset="0"/>
-              </a:rPr>
-              <a:t>’</a:t>
-            </a:r>
-            <a:r>
-              <a:rPr lang="en-US" altLang="ja-JP" sz="2000">
-                <a:latin typeface="Courier New" charset="0"/>
-                <a:cs typeface="Courier New" charset="0"/>
-                <a:sym typeface="Wingdings" charset="0"/>
-              </a:rPr>
-              <a:t>, </a:t>
-            </a:r>
-            <a:r>
-              <a:rPr lang="ja-JP" altLang="en-US" sz="2000">
-                <a:latin typeface="Courier New" charset="0"/>
-                <a:cs typeface="Courier New" charset="0"/>
-                <a:sym typeface="Wingdings" charset="0"/>
-              </a:rPr>
-              <a:t>‘</a:t>
-            </a:r>
-            <a:r>
-              <a:rPr lang="en-US" altLang="ja-JP" sz="2000">
-                <a:latin typeface="Courier New" charset="0"/>
-                <a:cs typeface="Courier New" charset="0"/>
-                <a:sym typeface="Wingdings" charset="0"/>
-              </a:rPr>
-              <a:t>l</a:t>
-            </a:r>
-            <a:r>
-              <a:rPr lang="ja-JP" altLang="en-US" sz="2000">
-                <a:latin typeface="Courier New" charset="0"/>
-                <a:cs typeface="Courier New" charset="0"/>
-                <a:sym typeface="Wingdings" charset="0"/>
-              </a:rPr>
-              <a:t>’</a:t>
-            </a:r>
-            <a:r>
-              <a:rPr lang="en-US" altLang="ja-JP" sz="2000">
-                <a:latin typeface="Courier New" charset="0"/>
-                <a:cs typeface="Courier New" charset="0"/>
-                <a:sym typeface="Wingdings" charset="0"/>
-              </a:rPr>
-              <a:t>, </a:t>
-            </a:r>
-            <a:r>
-              <a:rPr lang="ja-JP" altLang="en-US" sz="2000">
-                <a:latin typeface="Courier New" charset="0"/>
-                <a:cs typeface="Courier New" charset="0"/>
-                <a:sym typeface="Wingdings" charset="0"/>
-              </a:rPr>
-              <a:t>‘</a:t>
-            </a:r>
-            <a:r>
-              <a:rPr lang="en-US" altLang="ja-JP" sz="2000">
-                <a:latin typeface="Courier New" charset="0"/>
-                <a:cs typeface="Courier New" charset="0"/>
-                <a:sym typeface="Wingdings" charset="0"/>
-              </a:rPr>
-              <a:t>l</a:t>
-            </a:r>
-            <a:r>
-              <a:rPr lang="ja-JP" altLang="en-US" sz="2000">
-                <a:latin typeface="Courier New" charset="0"/>
-                <a:cs typeface="Courier New" charset="0"/>
-                <a:sym typeface="Wingdings" charset="0"/>
-              </a:rPr>
-              <a:t>’</a:t>
-            </a:r>
-            <a:r>
-              <a:rPr lang="en-US" altLang="ja-JP" sz="2000">
-                <a:latin typeface="Courier New" charset="0"/>
-                <a:cs typeface="Courier New" charset="0"/>
-                <a:sym typeface="Wingdings" charset="0"/>
-              </a:rPr>
-              <a:t>, </a:t>
-            </a:r>
-            <a:r>
-              <a:rPr lang="ja-JP" altLang="en-US" sz="2000">
-                <a:latin typeface="Courier New" charset="0"/>
-                <a:cs typeface="Courier New" charset="0"/>
-                <a:sym typeface="Wingdings" charset="0"/>
-              </a:rPr>
-              <a:t>‘</a:t>
-            </a:r>
-            <a:r>
-              <a:rPr lang="en-US" altLang="ja-JP" sz="2000">
-                <a:latin typeface="Courier New" charset="0"/>
-                <a:cs typeface="Courier New" charset="0"/>
-                <a:sym typeface="Wingdings" charset="0"/>
-              </a:rPr>
-              <a:t>o</a:t>
-            </a:r>
-            <a:r>
-              <a:rPr lang="ja-JP" altLang="en-US" sz="2000">
-                <a:latin typeface="Courier New" charset="0"/>
-                <a:cs typeface="Courier New" charset="0"/>
-                <a:sym typeface="Wingdings" charset="0"/>
-              </a:rPr>
-              <a:t>’</a:t>
-            </a:r>
-            <a:r>
-              <a:rPr lang="en-US" altLang="ja-JP" sz="2000">
-                <a:latin typeface="Courier New" charset="0"/>
-                <a:cs typeface="Courier New" charset="0"/>
-                <a:sym typeface="Wingdings" charset="0"/>
-              </a:rPr>
-              <a:t>, 0}</a:t>
-            </a:r>
-            <a:endParaRPr lang="en-US" altLang="ja-JP" sz="2000">
-              <a:latin typeface="Courier New" charset="0"/>
-              <a:cs typeface="Courier New" charset="0"/>
+            <a:r>
+              <a:rPr lang="en-US" dirty="0">
+                <a:latin typeface="Arial" charset="0"/>
+              </a:rPr>
+              <a:t>Next time</a:t>
+            </a:r>
+          </a:p>
+          <a:p>
+            <a:pPr lvl="1"/>
+            <a:r>
+              <a:rPr lang="en-US" dirty="0" smtClean="0">
+                <a:latin typeface="Arial" charset="0"/>
+              </a:rPr>
+              <a:t>Character arrays </a:t>
+            </a:r>
+            <a:r>
+              <a:rPr lang="en-US" smtClean="0">
+                <a:latin typeface="Arial" charset="0"/>
+              </a:rPr>
+              <a:t>and strings</a:t>
+            </a:r>
+            <a:endParaRPr lang="en-US" dirty="0">
+              <a:latin typeface="Arial" charset="0"/>
             </a:endParaRPr>
           </a:p>
           <a:p>
-            <a:pPr lvl="1">
-              <a:lnSpc>
-                <a:spcPct val="80000"/>
-              </a:lnSpc>
-            </a:pPr>
-            <a:r>
-              <a:rPr lang="en-US" sz="2000">
-                <a:latin typeface="Arial" charset="0"/>
-              </a:rPr>
-              <a:t>Null character = 0 = </a:t>
-            </a:r>
-            <a:r>
-              <a:rPr lang="ja-JP" altLang="en-US" sz="2000">
-                <a:latin typeface="Courier New" charset="0"/>
-                <a:cs typeface="Courier New" charset="0"/>
-              </a:rPr>
-              <a:t>‘</a:t>
-            </a:r>
-            <a:r>
-              <a:rPr lang="en-US" altLang="ja-JP" sz="2000">
-                <a:latin typeface="Courier New" charset="0"/>
-                <a:cs typeface="Courier New" charset="0"/>
-              </a:rPr>
-              <a:t>\0</a:t>
-            </a:r>
-            <a:r>
-              <a:rPr lang="ja-JP" altLang="en-US" sz="2000">
-                <a:latin typeface="Courier New" charset="0"/>
-                <a:cs typeface="Courier New" charset="0"/>
-              </a:rPr>
-              <a:t>’</a:t>
-            </a:r>
-            <a:endParaRPr lang="en-US" altLang="ja-JP" sz="2000">
-              <a:latin typeface="Courier New" charset="0"/>
-              <a:cs typeface="Courier New" charset="0"/>
+            <a:r>
+              <a:rPr lang="en-US" dirty="0">
+                <a:latin typeface="Arial" charset="0"/>
+              </a:rPr>
+              <a:t>Reminders:</a:t>
+            </a:r>
+          </a:p>
+          <a:p>
+            <a:pPr lvl="1"/>
+            <a:r>
+              <a:rPr lang="en-US" dirty="0">
+                <a:latin typeface="Arial" charset="0"/>
+              </a:rPr>
+              <a:t>Program 6 due </a:t>
+            </a:r>
+            <a:r>
+              <a:rPr lang="en-US" b="1" dirty="0">
+                <a:solidFill>
+                  <a:srgbClr val="FF0000"/>
+                </a:solidFill>
+                <a:latin typeface="Arial" charset="0"/>
+              </a:rPr>
+              <a:t>11</a:t>
+            </a:r>
+            <a:r>
+              <a:rPr lang="en-US" b="1" dirty="0" smtClean="0">
+                <a:solidFill>
+                  <a:srgbClr val="FF0000"/>
+                </a:solidFill>
+                <a:latin typeface="Arial" charset="0"/>
+              </a:rPr>
+              <a:t>/7</a:t>
+            </a:r>
+            <a:endParaRPr lang="en-US" b="1" dirty="0">
+              <a:solidFill>
+                <a:srgbClr val="FF0000"/>
+              </a:solidFill>
+              <a:latin typeface="Arial" charset="0"/>
             </a:endParaRPr>
           </a:p>
           <a:p>
-            <a:pPr>
-              <a:lnSpc>
-                <a:spcPct val="80000"/>
-              </a:lnSpc>
-            </a:pPr>
-            <a:r>
-              <a:rPr lang="en-US" sz="2300">
-                <a:latin typeface="Arial" charset="0"/>
-              </a:rPr>
-              <a:t>Can declare array to hold string</a:t>
-            </a:r>
-          </a:p>
-          <a:p>
-            <a:pPr lvl="1">
-              <a:lnSpc>
-                <a:spcPct val="80000"/>
-              </a:lnSpc>
-            </a:pPr>
-            <a:r>
-              <a:rPr lang="en-US" sz="2000">
-                <a:latin typeface="Arial" charset="0"/>
-              </a:rPr>
-              <a:t>Need space to hold null: </a:t>
-            </a:r>
-            <a:r>
-              <a:rPr lang="en-US" sz="2000">
-                <a:latin typeface="Courier New" charset="0"/>
-                <a:cs typeface="Courier New" charset="0"/>
-              </a:rPr>
-              <a:t>char hello[5]</a:t>
-            </a:r>
-            <a:r>
-              <a:rPr lang="en-US" sz="2000">
-                <a:latin typeface="Arial" charset="0"/>
-                <a:cs typeface="Courier New" charset="0"/>
-              </a:rPr>
-              <a:t> would be </a:t>
-            </a:r>
-            <a:r>
-              <a:rPr lang="en-US" sz="2000">
-                <a:latin typeface="Arial" charset="0"/>
-                <a:sym typeface="Wingdings" charset="0"/>
-              </a:rPr>
-              <a:t>too small</a:t>
-            </a:r>
-          </a:p>
-          <a:p>
-            <a:pPr lvl="1">
-              <a:lnSpc>
-                <a:spcPct val="80000"/>
-              </a:lnSpc>
-            </a:pPr>
-            <a:r>
-              <a:rPr lang="en-US" sz="2000">
-                <a:latin typeface="Arial" charset="0"/>
-                <a:cs typeface="Courier New" charset="0"/>
-                <a:sym typeface="Wingdings" charset="0"/>
-              </a:rPr>
-              <a:t>Can use string constants to directly initialize</a:t>
-            </a:r>
-          </a:p>
-          <a:p>
-            <a:pPr lvl="1">
-              <a:lnSpc>
-                <a:spcPct val="80000"/>
-              </a:lnSpc>
-              <a:buFont typeface="Wingdings" charset="0"/>
-              <a:buNone/>
-            </a:pPr>
-            <a:r>
-              <a:rPr lang="en-US" sz="2000">
-                <a:latin typeface="Arial" charset="0"/>
-                <a:cs typeface="Courier New" charset="0"/>
-                <a:sym typeface="Wingdings" charset="0"/>
-              </a:rPr>
-              <a:t>	</a:t>
-            </a:r>
-            <a:r>
-              <a:rPr lang="en-US" sz="2000">
-                <a:latin typeface="Courier New" charset="0"/>
-                <a:cs typeface="Courier New" charset="0"/>
-                <a:sym typeface="Wingdings" charset="0"/>
-              </a:rPr>
-              <a:t>char hello[] = </a:t>
-            </a:r>
-            <a:r>
-              <a:rPr lang="ja-JP" altLang="en-US" sz="2000">
-                <a:latin typeface="Courier New" charset="0"/>
-                <a:cs typeface="Courier New" charset="0"/>
-                <a:sym typeface="Wingdings" charset="0"/>
-              </a:rPr>
-              <a:t>“</a:t>
-            </a:r>
-            <a:r>
-              <a:rPr lang="en-US" altLang="ja-JP" sz="2000">
-                <a:latin typeface="Courier New" charset="0"/>
-                <a:cs typeface="Courier New" charset="0"/>
-                <a:sym typeface="Wingdings" charset="0"/>
-              </a:rPr>
-              <a:t>Hello</a:t>
-            </a:r>
-            <a:r>
-              <a:rPr lang="ja-JP" altLang="en-US" sz="2000">
-                <a:latin typeface="Courier New" charset="0"/>
-                <a:cs typeface="Courier New" charset="0"/>
-                <a:sym typeface="Wingdings" charset="0"/>
-              </a:rPr>
-              <a:t>”</a:t>
-            </a:r>
-            <a:r>
-              <a:rPr lang="en-US" altLang="ja-JP" sz="2000">
-                <a:latin typeface="Courier New" charset="0"/>
-                <a:cs typeface="Courier New" charset="0"/>
-                <a:sym typeface="Wingdings" charset="0"/>
-              </a:rPr>
-              <a:t>;</a:t>
-            </a:r>
-            <a:endParaRPr lang="en-US" altLang="ja-JP" sz="2000">
+            <a:pPr lvl="1"/>
+            <a:r>
+              <a:rPr lang="en-US" dirty="0" smtClean="0">
+                <a:latin typeface="Arial" charset="0"/>
+              </a:rPr>
+              <a:t>Exam </a:t>
+            </a:r>
+            <a:r>
+              <a:rPr lang="en-US" dirty="0">
+                <a:latin typeface="Arial" charset="0"/>
+              </a:rPr>
+              <a:t>2 in class 11/4</a:t>
+            </a:r>
+          </a:p>
+          <a:p>
+            <a:pPr lvl="2"/>
+            <a:r>
+              <a:rPr lang="en-US" dirty="0">
+                <a:latin typeface="Arial" charset="0"/>
+              </a:rPr>
+              <a:t>Will be allowed one double-sided 8.5” x 11” note sheet</a:t>
+            </a:r>
+          </a:p>
+          <a:p>
+            <a:pPr lvl="2"/>
+            <a:r>
+              <a:rPr lang="en-US" dirty="0">
+                <a:latin typeface="Arial" charset="0"/>
+              </a:rPr>
+              <a:t>Covers material starting after Exam 1, through Monday’s lecture (lectures 12-16; 18-</a:t>
+            </a:r>
+            <a:r>
+              <a:rPr lang="en-US" dirty="0" smtClean="0">
+                <a:latin typeface="Arial" charset="0"/>
+              </a:rPr>
+              <a:t>23)</a:t>
+            </a:r>
+            <a:endParaRPr lang="en-US" dirty="0">
               <a:latin typeface="Arial" charset="0"/>
-              <a:cs typeface="Courier New" charset="0"/>
             </a:endParaRPr>
           </a:p>
-          <a:p>
-            <a:pPr lvl="1">
-              <a:lnSpc>
-                <a:spcPct val="80000"/>
-              </a:lnSpc>
-            </a:pPr>
-            <a:r>
-              <a:rPr lang="en-US" sz="2000">
-                <a:latin typeface="Arial" charset="0"/>
-                <a:cs typeface="Courier New" charset="0"/>
-                <a:sym typeface="Wingdings" charset="0"/>
-              </a:rPr>
-              <a:t>Equivalent to:</a:t>
-            </a:r>
-          </a:p>
-          <a:p>
-            <a:pPr lvl="1">
-              <a:lnSpc>
-                <a:spcPct val="80000"/>
-              </a:lnSpc>
-              <a:buFont typeface="Wingdings" charset="0"/>
-              <a:buNone/>
-            </a:pPr>
-            <a:r>
-              <a:rPr lang="en-US" sz="2000">
-                <a:latin typeface="Arial" charset="0"/>
-                <a:cs typeface="Courier New" charset="0"/>
-                <a:sym typeface="Wingdings" charset="0"/>
-              </a:rPr>
-              <a:t>	</a:t>
-            </a:r>
-            <a:r>
-              <a:rPr lang="en-US" sz="2000">
-                <a:latin typeface="Courier New" charset="0"/>
-                <a:cs typeface="Courier New" charset="0"/>
-                <a:sym typeface="Wingdings" charset="0"/>
-              </a:rPr>
-              <a:t>char hello[6];</a:t>
-            </a:r>
-          </a:p>
-          <a:p>
-            <a:pPr lvl="1">
-              <a:lnSpc>
-                <a:spcPct val="80000"/>
-              </a:lnSpc>
-              <a:buFont typeface="Wingdings" charset="0"/>
-              <a:buNone/>
-            </a:pPr>
-            <a:r>
-              <a:rPr lang="en-US" sz="2000">
-                <a:latin typeface="Courier New" charset="0"/>
-                <a:cs typeface="Courier New" charset="0"/>
-                <a:sym typeface="Wingdings" charset="0"/>
-              </a:rPr>
-              <a:t>	hello[0] = </a:t>
-            </a:r>
-            <a:r>
-              <a:rPr lang="ja-JP" altLang="en-US" sz="2000">
-                <a:latin typeface="Courier New" charset="0"/>
-                <a:cs typeface="Courier New" charset="0"/>
-                <a:sym typeface="Wingdings" charset="0"/>
-              </a:rPr>
-              <a:t>‘</a:t>
-            </a:r>
-            <a:r>
-              <a:rPr lang="en-US" altLang="ja-JP" sz="2000">
-                <a:latin typeface="Courier New" charset="0"/>
-                <a:cs typeface="Courier New" charset="0"/>
-                <a:sym typeface="Wingdings" charset="0"/>
-              </a:rPr>
-              <a:t>H</a:t>
-            </a:r>
-            <a:r>
-              <a:rPr lang="ja-JP" altLang="en-US" sz="2000">
-                <a:latin typeface="Courier New" charset="0"/>
-                <a:cs typeface="Courier New" charset="0"/>
-                <a:sym typeface="Wingdings" charset="0"/>
-              </a:rPr>
-              <a:t>’</a:t>
-            </a:r>
-            <a:r>
-              <a:rPr lang="en-US" altLang="ja-JP" sz="2000">
-                <a:latin typeface="Courier New" charset="0"/>
-                <a:cs typeface="Courier New" charset="0"/>
-                <a:sym typeface="Wingdings" charset="0"/>
-              </a:rPr>
-              <a:t>;</a:t>
-            </a:r>
-          </a:p>
-          <a:p>
-            <a:pPr lvl="1">
-              <a:lnSpc>
-                <a:spcPct val="80000"/>
-              </a:lnSpc>
-              <a:buFont typeface="Wingdings" charset="0"/>
-              <a:buNone/>
-            </a:pPr>
-            <a:r>
-              <a:rPr lang="en-US" sz="2000">
-                <a:latin typeface="Courier New" charset="0"/>
-                <a:cs typeface="Courier New" charset="0"/>
-                <a:sym typeface="Wingdings" charset="0"/>
-              </a:rPr>
-              <a:t>	hello[1] = </a:t>
-            </a:r>
-            <a:r>
-              <a:rPr lang="ja-JP" altLang="en-US" sz="2000">
-                <a:latin typeface="Courier New" charset="0"/>
-                <a:cs typeface="Courier New" charset="0"/>
-                <a:sym typeface="Wingdings" charset="0"/>
-              </a:rPr>
-              <a:t>‘</a:t>
-            </a:r>
-            <a:r>
-              <a:rPr lang="en-US" altLang="ja-JP" sz="2000">
-                <a:latin typeface="Courier New" charset="0"/>
-                <a:cs typeface="Courier New" charset="0"/>
-                <a:sym typeface="Wingdings" charset="0"/>
-              </a:rPr>
-              <a:t>e</a:t>
-            </a:r>
-            <a:r>
-              <a:rPr lang="ja-JP" altLang="en-US" sz="2000">
-                <a:latin typeface="Courier New" charset="0"/>
-                <a:cs typeface="Courier New" charset="0"/>
-                <a:sym typeface="Wingdings" charset="0"/>
-              </a:rPr>
-              <a:t>’</a:t>
-            </a:r>
-            <a:r>
-              <a:rPr lang="en-US" altLang="ja-JP" sz="2000">
-                <a:latin typeface="Courier New" charset="0"/>
-                <a:cs typeface="Courier New" charset="0"/>
-                <a:sym typeface="Wingdings" charset="0"/>
-              </a:rPr>
-              <a:t>;</a:t>
-            </a:r>
-          </a:p>
-          <a:p>
-            <a:pPr lvl="1">
-              <a:lnSpc>
-                <a:spcPct val="80000"/>
-              </a:lnSpc>
-              <a:buFont typeface="Wingdings" charset="0"/>
-              <a:buNone/>
-            </a:pPr>
-            <a:r>
-              <a:rPr lang="en-US" sz="2000">
-                <a:latin typeface="Courier New" charset="0"/>
-                <a:cs typeface="Courier New" charset="0"/>
-                <a:sym typeface="Wingdings" charset="0"/>
-              </a:rPr>
-              <a:t>	hello[2] = </a:t>
-            </a:r>
-            <a:r>
-              <a:rPr lang="ja-JP" altLang="en-US" sz="2000">
-                <a:latin typeface="Courier New" charset="0"/>
-                <a:cs typeface="Courier New" charset="0"/>
-                <a:sym typeface="Wingdings" charset="0"/>
-              </a:rPr>
-              <a:t>‘</a:t>
-            </a:r>
-            <a:r>
-              <a:rPr lang="en-US" altLang="ja-JP" sz="2000">
-                <a:latin typeface="Courier New" charset="0"/>
-                <a:cs typeface="Courier New" charset="0"/>
-                <a:sym typeface="Wingdings" charset="0"/>
-              </a:rPr>
-              <a:t>l</a:t>
-            </a:r>
-            <a:r>
-              <a:rPr lang="ja-JP" altLang="en-US" sz="2000">
-                <a:latin typeface="Courier New" charset="0"/>
-                <a:cs typeface="Courier New" charset="0"/>
-                <a:sym typeface="Wingdings" charset="0"/>
-              </a:rPr>
-              <a:t>’</a:t>
-            </a:r>
-            <a:r>
-              <a:rPr lang="en-US" altLang="ja-JP" sz="2000">
-                <a:latin typeface="Courier New" charset="0"/>
-                <a:cs typeface="Courier New" charset="0"/>
-                <a:sym typeface="Wingdings" charset="0"/>
-              </a:rPr>
-              <a:t>;</a:t>
-            </a:r>
-          </a:p>
-          <a:p>
-            <a:pPr lvl="1">
-              <a:lnSpc>
-                <a:spcPct val="80000"/>
-              </a:lnSpc>
-              <a:buFont typeface="Wingdings" charset="0"/>
-              <a:buNone/>
-            </a:pPr>
-            <a:r>
-              <a:rPr lang="en-US" sz="2000">
-                <a:latin typeface="Courier New" charset="0"/>
-                <a:cs typeface="Courier New" charset="0"/>
-                <a:sym typeface="Wingdings" charset="0"/>
-              </a:rPr>
-              <a:t>	hello[3] = </a:t>
-            </a:r>
-            <a:r>
-              <a:rPr lang="ja-JP" altLang="en-US" sz="2000">
-                <a:latin typeface="Courier New" charset="0"/>
-                <a:cs typeface="Courier New" charset="0"/>
-                <a:sym typeface="Wingdings" charset="0"/>
-              </a:rPr>
-              <a:t>‘</a:t>
-            </a:r>
-            <a:r>
-              <a:rPr lang="en-US" altLang="ja-JP" sz="2000">
-                <a:latin typeface="Courier New" charset="0"/>
-                <a:cs typeface="Courier New" charset="0"/>
-                <a:sym typeface="Wingdings" charset="0"/>
-              </a:rPr>
-              <a:t>l</a:t>
-            </a:r>
-            <a:r>
-              <a:rPr lang="ja-JP" altLang="en-US" sz="2000">
-                <a:latin typeface="Courier New" charset="0"/>
-                <a:cs typeface="Courier New" charset="0"/>
-                <a:sym typeface="Wingdings" charset="0"/>
-              </a:rPr>
-              <a:t>’</a:t>
-            </a:r>
-            <a:r>
-              <a:rPr lang="en-US" altLang="ja-JP" sz="2000">
-                <a:latin typeface="Courier New" charset="0"/>
-                <a:cs typeface="Courier New" charset="0"/>
-                <a:sym typeface="Wingdings" charset="0"/>
-              </a:rPr>
-              <a:t>;</a:t>
-            </a:r>
-          </a:p>
-          <a:p>
-            <a:pPr lvl="1">
-              <a:lnSpc>
-                <a:spcPct val="80000"/>
-              </a:lnSpc>
-              <a:buFont typeface="Wingdings" charset="0"/>
-              <a:buNone/>
-            </a:pPr>
-            <a:r>
-              <a:rPr lang="en-US" sz="2000">
-                <a:latin typeface="Courier New" charset="0"/>
-                <a:cs typeface="Courier New" charset="0"/>
-                <a:sym typeface="Wingdings" charset="0"/>
-              </a:rPr>
-              <a:t>	hello[4] = </a:t>
-            </a:r>
-            <a:r>
-              <a:rPr lang="ja-JP" altLang="en-US" sz="2000">
-                <a:latin typeface="Courier New" charset="0"/>
-                <a:cs typeface="Courier New" charset="0"/>
-                <a:sym typeface="Wingdings" charset="0"/>
-              </a:rPr>
-              <a:t>‘</a:t>
-            </a:r>
-            <a:r>
-              <a:rPr lang="en-US" altLang="ja-JP" sz="2000">
-                <a:latin typeface="Courier New" charset="0"/>
-                <a:cs typeface="Courier New" charset="0"/>
-                <a:sym typeface="Wingdings" charset="0"/>
-              </a:rPr>
-              <a:t>o</a:t>
-            </a:r>
-            <a:r>
-              <a:rPr lang="ja-JP" altLang="en-US" sz="2000">
-                <a:latin typeface="Courier New" charset="0"/>
-                <a:cs typeface="Courier New" charset="0"/>
-                <a:sym typeface="Wingdings" charset="0"/>
-              </a:rPr>
-              <a:t>’</a:t>
-            </a:r>
-            <a:r>
-              <a:rPr lang="en-US" altLang="ja-JP" sz="2000">
-                <a:latin typeface="Courier New" charset="0"/>
-                <a:cs typeface="Courier New" charset="0"/>
-                <a:sym typeface="Wingdings" charset="0"/>
-              </a:rPr>
-              <a:t>;</a:t>
-            </a:r>
-          </a:p>
-          <a:p>
-            <a:pPr lvl="1">
-              <a:lnSpc>
-                <a:spcPct val="80000"/>
-              </a:lnSpc>
-              <a:buFont typeface="Wingdings" charset="0"/>
-              <a:buNone/>
-            </a:pPr>
-            <a:r>
-              <a:rPr lang="en-US" sz="2000">
-                <a:latin typeface="Courier New" charset="0"/>
-                <a:cs typeface="Courier New" charset="0"/>
-                <a:sym typeface="Wingdings" charset="0"/>
-              </a:rPr>
-              <a:t>	hello[5] = 0	   --OR--	hello[5] = </a:t>
-            </a:r>
-            <a:r>
-              <a:rPr lang="ja-JP" altLang="en-US" sz="2000">
-                <a:latin typeface="Courier New" charset="0"/>
-                <a:cs typeface="Courier New" charset="0"/>
-                <a:sym typeface="Wingdings" charset="0"/>
-              </a:rPr>
-              <a:t>‘</a:t>
-            </a:r>
-            <a:r>
-              <a:rPr lang="en-US" altLang="ja-JP" sz="2000">
-                <a:latin typeface="Courier New" charset="0"/>
-                <a:cs typeface="Courier New" charset="0"/>
-                <a:sym typeface="Wingdings" charset="0"/>
-              </a:rPr>
-              <a:t>\0</a:t>
-            </a:r>
-            <a:r>
-              <a:rPr lang="ja-JP" altLang="en-US" sz="2000">
-                <a:latin typeface="Courier New" charset="0"/>
-                <a:cs typeface="Courier New" charset="0"/>
-                <a:sym typeface="Wingdings" charset="0"/>
-              </a:rPr>
-              <a:t>’</a:t>
-            </a:r>
-            <a:r>
-              <a:rPr lang="en-US" altLang="ja-JP" sz="2000">
-                <a:latin typeface="Courier New" charset="0"/>
-                <a:cs typeface="Courier New" charset="0"/>
-                <a:sym typeface="Wingdings" charset="0"/>
-              </a:rPr>
-              <a:t>;</a:t>
-            </a:r>
-            <a:endParaRPr lang="en-US" sz="2000">
-              <a:latin typeface="Courier New" charset="0"/>
-              <a:cs typeface="Courier New" charset="0"/>
-              <a:sym typeface="Wingdings" charset="0"/>
-            </a:endParaRPr>
-          </a:p>
-        </p:txBody>
-      </p:sp>
-      <p:sp>
-        <p:nvSpPr>
-          <p:cNvPr id="20483" name="Date Placeholder 3"/>
+        </p:txBody>
+      </p:sp>
+      <p:sp>
+        <p:nvSpPr>
+          <p:cNvPr id="40963" name="Date Placeholder 3"/>
           <p:cNvSpPr>
             <a:spLocks noGrp="1"/>
           </p:cNvSpPr>
@@ -12913,16 +9967,14 @@
           </a:lstStyle>
           <a:p>
             <a:pPr eaLnBrk="1" hangingPunct="1"/>
-            <a:fld id="{599D4519-F51E-884F-A436-6463933CF6B9}" type="datetime1">
+            <a:fld id="{BEA43597-B145-3C40-9E57-3A3F8465DE48}" type="datetime1">
               <a:rPr lang="en-US" sz="1200" smtClean="0">
                 <a:latin typeface="Garamond" charset="0"/>
-                <a:cs typeface="Arial" charset="0"/>
-              </a:rPr>
-              <a:t>10/26/16</a:t>
+              </a:rPr>
+              <a:t>10/30/16</a:t>
             </a:fld>
             <a:endParaRPr lang="en-US" sz="1200">
               <a:latin typeface="Garamond" charset="0"/>
-              <a:cs typeface="Arial" charset="0"/>
             </a:endParaRPr>
           </a:p>
         </p:txBody>
@@ -12955,7 +10007,7 @@
       </p:sp>
       <p:sp>
         <p:nvSpPr>
-          <p:cNvPr id="20485" name="Slide Number Placeholder 5"/>
+          <p:cNvPr id="40965" name="Slide Number Placeholder 5"/>
           <p:cNvSpPr>
             <a:spLocks noGrp="1"/>
           </p:cNvSpPr>
@@ -13098,578 +10150,20 @@
           </a:lstStyle>
           <a:p>
             <a:pPr eaLnBrk="1" hangingPunct="1"/>
-            <a:fld id="{E4D82A59-3716-D24B-9BF5-562DCA8E0DCF}" type="slidenum">
+            <a:fld id="{995840FA-E6F5-0343-A066-8FDDE6435D57}" type="slidenum">
               <a:rPr lang="en-US" sz="1200">
                 <a:latin typeface="Garamond" charset="0"/>
-                <a:cs typeface="Arial" charset="0"/>
               </a:rPr>
               <a:pPr eaLnBrk="1" hangingPunct="1"/>
               <a:t>8</a:t>
             </a:fld>
             <a:endParaRPr lang="en-US" sz="1200">
               <a:latin typeface="Garamond" charset="0"/>
-              <a:cs typeface="Arial" charset="0"/>
             </a:endParaRPr>
           </a:p>
         </p:txBody>
       </p:sp>
     </p:spTree>
-    <p:extLst>
-      <p:ext uri="{BB962C8B-B14F-4D97-AF65-F5344CB8AC3E}">
-        <p14:creationId xmlns:p14="http://schemas.microsoft.com/office/powerpoint/2010/main" val="3028123458"/>
-      </p:ext>
-    </p:extLst>
-  </p:cSld>
-  <p:clrMapOvr>
-    <a:masterClrMapping/>
-  </p:clrMapOvr>
-  <p:timing>
-    <p:tnLst>
-      <p:par>
-        <p:cTn xmlns:p14="http://schemas.microsoft.com/office/powerpoint/2010/main" id="1" dur="indefinite" restart="never" nodeType="tmRoot"/>
-      </p:par>
-    </p:tnLst>
-  </p:timing>
-</p:sld>
-</file>
-
-<file path=ppt/slides/slide9.xml><?xml version="1.0" encoding="utf-8"?>
-<p:sld xmlns:a="http://schemas.openxmlformats.org/drawingml/2006/main" xmlns:r="http://schemas.openxmlformats.org/officeDocument/2006/relationships" xmlns:p="http://schemas.openxmlformats.org/presentationml/2006/main">
-  <p:cSld>
-    <p:spTree>
-      <p:nvGrpSpPr>
-        <p:cNvPr id="1" name=""/>
-        <p:cNvGrpSpPr/>
-        <p:nvPr/>
-      </p:nvGrpSpPr>
-      <p:grpSpPr>
-        <a:xfrm>
-          <a:off x="0" y="0"/>
-          <a:ext cx="0" cy="0"/>
-          <a:chOff x="0" y="0"/>
-          <a:chExt cx="0" cy="0"/>
-        </a:xfrm>
-      </p:grpSpPr>
-      <p:sp>
-        <p:nvSpPr>
-          <p:cNvPr id="21505" name="Title 1"/>
-          <p:cNvSpPr>
-            <a:spLocks noGrp="1"/>
-          </p:cNvSpPr>
-          <p:nvPr>
-            <p:ph type="title"/>
-          </p:nvPr>
-        </p:nvSpPr>
-        <p:spPr/>
-        <p:txBody>
-          <a:bodyPr/>
-          <a:lstStyle/>
-          <a:p>
-            <a:r>
-              <a:rPr lang="en-US">
-                <a:latin typeface="Garamond" charset="0"/>
-              </a:rPr>
-              <a:t>Strings, output, and functions</a:t>
-            </a:r>
-          </a:p>
-        </p:txBody>
-      </p:sp>
-      <p:sp>
-        <p:nvSpPr>
-          <p:cNvPr id="21506" name="Content Placeholder 2"/>
-          <p:cNvSpPr>
-            <a:spLocks noGrp="1"/>
-          </p:cNvSpPr>
-          <p:nvPr>
-            <p:ph idx="1"/>
-          </p:nvPr>
-        </p:nvSpPr>
-        <p:spPr/>
-        <p:txBody>
-          <a:bodyPr/>
-          <a:lstStyle/>
-          <a:p>
-            <a:r>
-              <a:rPr lang="en-US">
-                <a:latin typeface="Arial" charset="0"/>
-              </a:rPr>
-              <a:t>Can pass string as array or pointer: </a:t>
-            </a:r>
-            <a:r>
-              <a:rPr lang="en-US">
-                <a:latin typeface="Courier New" charset="0"/>
-                <a:cs typeface="Courier New" charset="0"/>
-              </a:rPr>
-              <a:t>char *</a:t>
-            </a:r>
-          </a:p>
-          <a:p>
-            <a:pPr lvl="1"/>
-            <a:r>
-              <a:rPr lang="en-US">
-                <a:latin typeface="Courier New" charset="0"/>
-                <a:cs typeface="Courier New" charset="0"/>
-              </a:rPr>
-              <a:t>printf()</a:t>
-            </a:r>
-            <a:r>
-              <a:rPr lang="en-US">
-                <a:latin typeface="Arial" charset="0"/>
-              </a:rPr>
-              <a:t>, </a:t>
-            </a:r>
-            <a:r>
-              <a:rPr lang="en-US">
-                <a:latin typeface="Courier New" charset="0"/>
-                <a:cs typeface="Courier New" charset="0"/>
-              </a:rPr>
-              <a:t>scanf()</a:t>
-            </a:r>
-            <a:r>
-              <a:rPr lang="en-US">
-                <a:latin typeface="Arial" charset="0"/>
-              </a:rPr>
-              <a:t> take </a:t>
-            </a:r>
-            <a:r>
-              <a:rPr lang="en-US">
-                <a:latin typeface="Courier New" charset="0"/>
-                <a:cs typeface="Courier New" charset="0"/>
-              </a:rPr>
-              <a:t>char *</a:t>
-            </a:r>
-            <a:r>
-              <a:rPr lang="en-US">
-                <a:latin typeface="Arial" charset="0"/>
-              </a:rPr>
-              <a:t> as first argument</a:t>
-            </a:r>
-          </a:p>
-          <a:p>
-            <a:pPr lvl="1"/>
-            <a:r>
-              <a:rPr lang="en-US">
-                <a:latin typeface="Arial" charset="0"/>
-              </a:rPr>
-              <a:t>Given string </a:t>
-            </a:r>
-            <a:r>
-              <a:rPr lang="en-US">
-                <a:latin typeface="Courier New" charset="0"/>
-                <a:cs typeface="Courier New" charset="0"/>
-              </a:rPr>
-              <a:t>char hello[]</a:t>
-            </a:r>
-            <a:r>
-              <a:rPr lang="en-US">
-                <a:latin typeface="Arial" charset="0"/>
-              </a:rPr>
-              <a:t> from previous slide:</a:t>
-            </a:r>
-          </a:p>
-          <a:p>
-            <a:pPr lvl="2"/>
-            <a:r>
-              <a:rPr lang="en-US">
-                <a:latin typeface="Arial" charset="0"/>
-              </a:rPr>
-              <a:t>Print directly: </a:t>
-            </a:r>
-            <a:r>
-              <a:rPr lang="en-US">
-                <a:latin typeface="Courier New" charset="0"/>
-                <a:cs typeface="Courier New" charset="0"/>
-              </a:rPr>
-              <a:t>printf(hello);</a:t>
-            </a:r>
-          </a:p>
-          <a:p>
-            <a:pPr lvl="2"/>
-            <a:r>
-              <a:rPr lang="en-US">
-                <a:latin typeface="Arial" charset="0"/>
-                <a:cs typeface="Courier New" charset="0"/>
-              </a:rPr>
-              <a:t>Print w/formatting using %s: </a:t>
-            </a:r>
-            <a:r>
-              <a:rPr lang="en-US">
-                <a:latin typeface="Courier New" charset="0"/>
-                <a:cs typeface="Courier New" charset="0"/>
-              </a:rPr>
-              <a:t>printf(“%s\n”, 						 hello);</a:t>
-            </a:r>
-          </a:p>
-          <a:p>
-            <a:pPr lvl="2"/>
-            <a:r>
-              <a:rPr lang="en-US">
-                <a:latin typeface="Arial" charset="0"/>
-                <a:cs typeface="Courier New" charset="0"/>
-              </a:rPr>
-              <a:t>Print individual character:  </a:t>
-            </a:r>
-            <a:r>
-              <a:rPr lang="en-US">
-                <a:latin typeface="Courier New" charset="0"/>
-                <a:cs typeface="Courier New" charset="0"/>
-              </a:rPr>
-              <a:t>printf(“%c\n”, 						hello[1]);</a:t>
-            </a:r>
-          </a:p>
-        </p:txBody>
-      </p:sp>
-      <p:sp>
-        <p:nvSpPr>
-          <p:cNvPr id="21507" name="Date Placeholder 3"/>
-          <p:cNvSpPr>
-            <a:spLocks noGrp="1"/>
-          </p:cNvSpPr>
-          <p:nvPr>
-            <p:ph type="dt" sz="quarter" idx="10"/>
-          </p:nvPr>
-        </p:nvSpPr>
-        <p:spPr>
-          <a:noFill/>
-          <a:ln/>
-          <a:extLst>
-            <a:ext uri="{909E8E84-426E-40dd-AFC4-6F175D3DCCD1}">
-              <a14:hiddenFill xmlns:a14="http://schemas.microsoft.com/office/drawing/2010/main">
-                <a:solidFill>
-                  <a:srgbClr val="FFFFFF"/>
-                </a:solidFill>
-              </a14:hiddenFill>
-            </a:ext>
-            <a:ext uri="{91240B29-F687-4f45-9708-019B960494DF}">
-              <a14:hiddenLine xmlns:a14="http://schemas.microsoft.com/office/drawing/2010/main" w="9525">
-                <a:solidFill>
-                  <a:srgbClr val="000000"/>
-                </a:solidFill>
-                <a:miter lim="800000"/>
-                <a:headEnd/>
-                <a:tailEnd/>
-              </a14:hiddenLine>
-            </a:ext>
-          </a:extLst>
-        </p:spPr>
-        <p:txBody>
-          <a:bodyPr/>
-          <a:lstStyle>
-            <a:lvl1pPr eaLnBrk="0" hangingPunct="0">
-              <a:defRPr sz="2400">
-                <a:solidFill>
-                  <a:schemeClr val="tx1"/>
-                </a:solidFill>
-                <a:latin typeface="Arial" charset="0"/>
-                <a:ea typeface="ＭＳ Ｐゴシック" charset="0"/>
-                <a:cs typeface="ＭＳ Ｐゴシック" charset="0"/>
-              </a:defRPr>
-            </a:lvl1pPr>
-            <a:lvl2pPr marL="742950" indent="-285750" eaLnBrk="0" hangingPunct="0">
-              <a:defRPr sz="2400">
-                <a:solidFill>
-                  <a:schemeClr val="tx1"/>
-                </a:solidFill>
-                <a:latin typeface="Arial" charset="0"/>
-                <a:ea typeface="ＭＳ Ｐゴシック" charset="0"/>
-              </a:defRPr>
-            </a:lvl2pPr>
-            <a:lvl3pPr marL="1143000" indent="-228600" eaLnBrk="0" hangingPunct="0">
-              <a:defRPr sz="2400">
-                <a:solidFill>
-                  <a:schemeClr val="tx1"/>
-                </a:solidFill>
-                <a:latin typeface="Arial" charset="0"/>
-                <a:ea typeface="ＭＳ Ｐゴシック" charset="0"/>
-              </a:defRPr>
-            </a:lvl3pPr>
-            <a:lvl4pPr marL="1600200" indent="-228600" eaLnBrk="0" hangingPunct="0">
-              <a:defRPr sz="2400">
-                <a:solidFill>
-                  <a:schemeClr val="tx1"/>
-                </a:solidFill>
-                <a:latin typeface="Arial" charset="0"/>
-                <a:ea typeface="ＭＳ Ｐゴシック" charset="0"/>
-              </a:defRPr>
-            </a:lvl4pPr>
-            <a:lvl5pPr marL="2057400" indent="-228600" eaLnBrk="0" hangingPunct="0">
-              <a:defRPr sz="2400">
-                <a:solidFill>
-                  <a:schemeClr val="tx1"/>
-                </a:solidFill>
-                <a:latin typeface="Arial" charset="0"/>
-                <a:ea typeface="ＭＳ Ｐゴシック" charset="0"/>
-              </a:defRPr>
-            </a:lvl5pPr>
-            <a:lvl6pPr marL="2514600" indent="-228600" eaLnBrk="0" fontAlgn="base" hangingPunct="0">
-              <a:spcBef>
-                <a:spcPct val="0"/>
-              </a:spcBef>
-              <a:spcAft>
-                <a:spcPct val="0"/>
-              </a:spcAft>
-              <a:defRPr sz="2400">
-                <a:solidFill>
-                  <a:schemeClr val="tx1"/>
-                </a:solidFill>
-                <a:latin typeface="Arial" charset="0"/>
-                <a:ea typeface="ＭＳ Ｐゴシック" charset="0"/>
-              </a:defRPr>
-            </a:lvl6pPr>
-            <a:lvl7pPr marL="2971800" indent="-228600" eaLnBrk="0" fontAlgn="base" hangingPunct="0">
-              <a:spcBef>
-                <a:spcPct val="0"/>
-              </a:spcBef>
-              <a:spcAft>
-                <a:spcPct val="0"/>
-              </a:spcAft>
-              <a:defRPr sz="2400">
-                <a:solidFill>
-                  <a:schemeClr val="tx1"/>
-                </a:solidFill>
-                <a:latin typeface="Arial" charset="0"/>
-                <a:ea typeface="ＭＳ Ｐゴシック" charset="0"/>
-              </a:defRPr>
-            </a:lvl7pPr>
-            <a:lvl8pPr marL="3429000" indent="-228600" eaLnBrk="0" fontAlgn="base" hangingPunct="0">
-              <a:spcBef>
-                <a:spcPct val="0"/>
-              </a:spcBef>
-              <a:spcAft>
-                <a:spcPct val="0"/>
-              </a:spcAft>
-              <a:defRPr sz="2400">
-                <a:solidFill>
-                  <a:schemeClr val="tx1"/>
-                </a:solidFill>
-                <a:latin typeface="Arial" charset="0"/>
-                <a:ea typeface="ＭＳ Ｐゴシック" charset="0"/>
-              </a:defRPr>
-            </a:lvl8pPr>
-            <a:lvl9pPr marL="3886200" indent="-228600" eaLnBrk="0" fontAlgn="base" hangingPunct="0">
-              <a:spcBef>
-                <a:spcPct val="0"/>
-              </a:spcBef>
-              <a:spcAft>
-                <a:spcPct val="0"/>
-              </a:spcAft>
-              <a:defRPr sz="2400">
-                <a:solidFill>
-                  <a:schemeClr val="tx1"/>
-                </a:solidFill>
-                <a:latin typeface="Arial" charset="0"/>
-                <a:ea typeface="ＭＳ Ｐゴシック" charset="0"/>
-              </a:defRPr>
-            </a:lvl9pPr>
-          </a:lstStyle>
-          <a:p>
-            <a:pPr eaLnBrk="1" hangingPunct="1"/>
-            <a:fld id="{D85927FF-8E6D-9C4C-B546-BA4172F1F540}" type="datetime1">
-              <a:rPr lang="en-US" sz="1200" smtClean="0">
-                <a:latin typeface="Garamond" charset="0"/>
-                <a:cs typeface="Arial" charset="0"/>
-              </a:rPr>
-              <a:t>10/26/16</a:t>
-            </a:fld>
-            <a:endParaRPr lang="en-US" sz="1200">
-              <a:latin typeface="Garamond" charset="0"/>
-              <a:cs typeface="Arial" charset="0"/>
-            </a:endParaRPr>
-          </a:p>
-        </p:txBody>
-      </p:sp>
-      <p:sp>
-        <p:nvSpPr>
-          <p:cNvPr id="5" name="Footer Placeholder 4"/>
-          <p:cNvSpPr>
-            <a:spLocks noGrp="1"/>
-          </p:cNvSpPr>
-          <p:nvPr>
-            <p:ph type="ftr" sz="quarter" idx="11"/>
-          </p:nvPr>
-        </p:nvSpPr>
-        <p:spPr/>
-        <p:txBody>
-          <a:bodyPr/>
-          <a:lstStyle/>
-          <a:p>
-            <a:pPr>
-              <a:defRPr/>
-            </a:pPr>
-            <a:r>
-              <a:rPr lang="en-US" altLang="en-US" smtClean="0"/>
-              <a:t>ECE Application Programming: Lecture 22</a:t>
-            </a:r>
-            <a:endParaRPr lang="en-US" altLang="en-US"/>
-          </a:p>
-        </p:txBody>
-      </p:sp>
-      <p:sp>
-        <p:nvSpPr>
-          <p:cNvPr id="21509" name="Slide Number Placeholder 5"/>
-          <p:cNvSpPr>
-            <a:spLocks noGrp="1"/>
-          </p:cNvSpPr>
-          <p:nvPr>
-            <p:ph type="sldNum" sz="quarter" idx="12"/>
-          </p:nvPr>
-        </p:nvSpPr>
-        <p:spPr>
-          <a:noFill/>
-          <a:ln/>
-          <a:extLst>
-            <a:ext uri="{909E8E84-426E-40dd-AFC4-6F175D3DCCD1}">
-              <a14:hiddenFill xmlns:a14="http://schemas.microsoft.com/office/drawing/2010/main">
-                <a:solidFill>
-                  <a:srgbClr val="FFFFFF"/>
-                </a:solidFill>
-              </a14:hiddenFill>
-            </a:ext>
-            <a:ext uri="{91240B29-F687-4f45-9708-019B960494DF}">
-              <a14:hiddenLine xmlns:a14="http://schemas.microsoft.com/office/drawing/2010/main" w="9525">
-                <a:solidFill>
-                  <a:srgbClr val="000000"/>
-                </a:solidFill>
-                <a:miter lim="800000"/>
-                <a:headEnd/>
-                <a:tailEnd/>
-              </a14:hiddenLine>
-            </a:ext>
-          </a:extLst>
-        </p:spPr>
-        <p:txBody>
-          <a:bodyPr/>
-          <a:lstStyle>
-            <a:lvl1pPr eaLnBrk="0" hangingPunct="0">
-              <a:defRPr sz="2400">
-                <a:solidFill>
-                  <a:schemeClr val="tx1"/>
-                </a:solidFill>
-                <a:latin typeface="Arial" charset="0"/>
-                <a:ea typeface="ＭＳ Ｐゴシック" charset="0"/>
-                <a:cs typeface="ＭＳ Ｐゴシック" charset="0"/>
-              </a:defRPr>
-            </a:lvl1pPr>
-            <a:lvl2pPr marL="742950" indent="-285750" eaLnBrk="0" hangingPunct="0">
-              <a:defRPr sz="2400">
-                <a:solidFill>
-                  <a:schemeClr val="tx1"/>
-                </a:solidFill>
-                <a:latin typeface="Arial" charset="0"/>
-                <a:ea typeface="ＭＳ Ｐゴシック" charset="0"/>
-              </a:defRPr>
-            </a:lvl2pPr>
-            <a:lvl3pPr marL="1143000" indent="-228600" eaLnBrk="0" hangingPunct="0">
-              <a:defRPr sz="2400">
-                <a:solidFill>
-                  <a:schemeClr val="tx1"/>
-                </a:solidFill>
-                <a:latin typeface="Arial" charset="0"/>
-                <a:ea typeface="ＭＳ Ｐゴシック" charset="0"/>
-              </a:defRPr>
-            </a:lvl3pPr>
-            <a:lvl4pPr marL="1600200" indent="-228600" eaLnBrk="0" hangingPunct="0">
-              <a:defRPr sz="2400">
-                <a:solidFill>
-                  <a:schemeClr val="tx1"/>
-                </a:solidFill>
-                <a:latin typeface="Arial" charset="0"/>
-                <a:ea typeface="ＭＳ Ｐゴシック" charset="0"/>
-              </a:defRPr>
-            </a:lvl4pPr>
-            <a:lvl5pPr marL="2057400" indent="-228600" eaLnBrk="0" hangingPunct="0">
-              <a:defRPr sz="2400">
-                <a:solidFill>
-                  <a:schemeClr val="tx1"/>
-                </a:solidFill>
-                <a:latin typeface="Arial" charset="0"/>
-                <a:ea typeface="ＭＳ Ｐゴシック" charset="0"/>
-              </a:defRPr>
-            </a:lvl5pPr>
-            <a:lvl6pPr marL="2514600" indent="-228600" eaLnBrk="0" fontAlgn="base" hangingPunct="0">
-              <a:spcBef>
-                <a:spcPct val="0"/>
-              </a:spcBef>
-              <a:spcAft>
-                <a:spcPct val="0"/>
-              </a:spcAft>
-              <a:defRPr sz="2400">
-                <a:solidFill>
-                  <a:schemeClr val="tx1"/>
-                </a:solidFill>
-                <a:latin typeface="Arial" charset="0"/>
-                <a:ea typeface="ＭＳ Ｐゴシック" charset="0"/>
-              </a:defRPr>
-            </a:lvl6pPr>
-            <a:lvl7pPr marL="2971800" indent="-228600" eaLnBrk="0" fontAlgn="base" hangingPunct="0">
-              <a:spcBef>
-                <a:spcPct val="0"/>
-              </a:spcBef>
-              <a:spcAft>
-                <a:spcPct val="0"/>
-              </a:spcAft>
-              <a:defRPr sz="2400">
-                <a:solidFill>
-                  <a:schemeClr val="tx1"/>
-                </a:solidFill>
-                <a:latin typeface="Arial" charset="0"/>
-                <a:ea typeface="ＭＳ Ｐゴシック" charset="0"/>
-              </a:defRPr>
-            </a:lvl7pPr>
-            <a:lvl8pPr marL="3429000" indent="-228600" eaLnBrk="0" fontAlgn="base" hangingPunct="0">
-              <a:spcBef>
-                <a:spcPct val="0"/>
-              </a:spcBef>
-              <a:spcAft>
-                <a:spcPct val="0"/>
-              </a:spcAft>
-              <a:defRPr sz="2400">
-                <a:solidFill>
-                  <a:schemeClr val="tx1"/>
-                </a:solidFill>
-                <a:latin typeface="Arial" charset="0"/>
-                <a:ea typeface="ＭＳ Ｐゴシック" charset="0"/>
-              </a:defRPr>
-            </a:lvl8pPr>
-            <a:lvl9pPr marL="3886200" indent="-228600" eaLnBrk="0" fontAlgn="base" hangingPunct="0">
-              <a:spcBef>
-                <a:spcPct val="0"/>
-              </a:spcBef>
-              <a:spcAft>
-                <a:spcPct val="0"/>
-              </a:spcAft>
-              <a:defRPr sz="2400">
-                <a:solidFill>
-                  <a:schemeClr val="tx1"/>
-                </a:solidFill>
-                <a:latin typeface="Arial" charset="0"/>
-                <a:ea typeface="ＭＳ Ｐゴシック" charset="0"/>
-              </a:defRPr>
-            </a:lvl9pPr>
-          </a:lstStyle>
-          <a:p>
-            <a:pPr eaLnBrk="1" hangingPunct="1"/>
-            <a:fld id="{41AC0AE3-EF86-5341-A8BC-D36450E83481}" type="slidenum">
-              <a:rPr lang="en-US" sz="1200">
-                <a:latin typeface="Garamond" charset="0"/>
-                <a:cs typeface="Arial" charset="0"/>
-              </a:rPr>
-              <a:pPr eaLnBrk="1" hangingPunct="1"/>
-              <a:t>9</a:t>
-            </a:fld>
-            <a:endParaRPr lang="en-US" sz="1200">
-              <a:latin typeface="Garamond" charset="0"/>
-              <a:cs typeface="Arial" charset="0"/>
-            </a:endParaRPr>
-          </a:p>
-        </p:txBody>
-      </p:sp>
-    </p:spTree>
-    <p:extLst>
-      <p:ext uri="{BB962C8B-B14F-4D97-AF65-F5344CB8AC3E}">
-        <p14:creationId xmlns:p14="http://schemas.microsoft.com/office/powerpoint/2010/main" val="2888697964"/>
-      </p:ext>
-    </p:extLst>
   </p:cSld>
   <p:clrMapOvr>
     <a:masterClrMapping/>
